--- a/赵惠答辩（删）.pptx
+++ b/赵惠答辩（删）.pptx
@@ -9,7 +9,7 @@
     <p:sldMasterId id="2147483775" r:id="rId5"/>
   </p:sldMasterIdLst>
   <p:notesMasterIdLst>
-    <p:notesMasterId r:id="rId51"/>
+    <p:notesMasterId r:id="rId50"/>
   </p:notesMasterIdLst>
   <p:sldIdLst>
     <p:sldId id="256" r:id="rId6"/>
@@ -35,28 +35,27 @@
     <p:sldId id="424" r:id="rId26"/>
     <p:sldId id="427" r:id="rId27"/>
     <p:sldId id="432" r:id="rId28"/>
-    <p:sldId id="406" r:id="rId29"/>
-    <p:sldId id="434" r:id="rId30"/>
-    <p:sldId id="438" r:id="rId31"/>
-    <p:sldId id="436" r:id="rId32"/>
-    <p:sldId id="435" r:id="rId33"/>
-    <p:sldId id="437" r:id="rId34"/>
-    <p:sldId id="440" r:id="rId35"/>
-    <p:sldId id="442" r:id="rId36"/>
-    <p:sldId id="441" r:id="rId37"/>
-    <p:sldId id="439" r:id="rId38"/>
-    <p:sldId id="443" r:id="rId39"/>
-    <p:sldId id="446" r:id="rId40"/>
-    <p:sldId id="447" r:id="rId41"/>
-    <p:sldId id="448" r:id="rId42"/>
-    <p:sldId id="451" r:id="rId43"/>
-    <p:sldId id="453" r:id="rId44"/>
-    <p:sldId id="452" r:id="rId45"/>
-    <p:sldId id="260" r:id="rId46"/>
-    <p:sldId id="454" r:id="rId47"/>
-    <p:sldId id="261" r:id="rId48"/>
-    <p:sldId id="318" r:id="rId49"/>
-    <p:sldId id="328" r:id="rId50"/>
+    <p:sldId id="434" r:id="rId29"/>
+    <p:sldId id="438" r:id="rId30"/>
+    <p:sldId id="436" r:id="rId31"/>
+    <p:sldId id="435" r:id="rId32"/>
+    <p:sldId id="437" r:id="rId33"/>
+    <p:sldId id="440" r:id="rId34"/>
+    <p:sldId id="442" r:id="rId35"/>
+    <p:sldId id="441" r:id="rId36"/>
+    <p:sldId id="439" r:id="rId37"/>
+    <p:sldId id="443" r:id="rId38"/>
+    <p:sldId id="446" r:id="rId39"/>
+    <p:sldId id="447" r:id="rId40"/>
+    <p:sldId id="448" r:id="rId41"/>
+    <p:sldId id="451" r:id="rId42"/>
+    <p:sldId id="453" r:id="rId43"/>
+    <p:sldId id="452" r:id="rId44"/>
+    <p:sldId id="260" r:id="rId45"/>
+    <p:sldId id="454" r:id="rId46"/>
+    <p:sldId id="261" r:id="rId47"/>
+    <p:sldId id="318" r:id="rId48"/>
+    <p:sldId id="328" r:id="rId49"/>
   </p:sldIdLst>
   <p:sldSz cx="9144000" cy="6858000" type="screen4x3"/>
   <p:notesSz cx="6858000" cy="9144000"/>
@@ -2244,7 +2243,7 @@
             <a:fld id="{C2C6BD10-0D64-4D36-8317-4B4AA28E0E35}" type="slidenum">
               <a:rPr lang="zh-CN" altLang="en-US" smtClean="0"/>
               <a:pPr/>
-              <a:t>25</a:t>
+              <a:t>24</a:t>
             </a:fld>
             <a:endParaRPr lang="zh-CN" altLang="en-US">
               <a:latin typeface="Calibri" panose="020F0502020204030204" pitchFamily="34" charset="0"/>
@@ -35543,512 +35542,6 @@
         <p:spPr>
           <a:xfrm>
             <a:off x="790575" y="1239838"/>
-            <a:ext cx="7600950" cy="1126462"/>
-          </a:xfrm>
-          <a:prstGeom prst="rect">
-            <a:avLst/>
-          </a:prstGeom>
-          <a:noFill/>
-          <a:ln w="9525">
-            <a:noFill/>
-          </a:ln>
-        </p:spPr>
-        <p:txBody>
-          <a:bodyPr>
-            <a:spAutoFit/>
-          </a:bodyPr>
-          <a:lstStyle/>
-          <a:p>
-            <a:pPr eaLnBrk="0" hangingPunct="0">
-              <a:lnSpc>
-                <a:spcPct val="120000"/>
-              </a:lnSpc>
-            </a:pPr>
-            <a:r>
-              <a:rPr lang="zh-CN" altLang="en-US" sz="2800" noProof="1" smtClean="0">
-                <a:effectLst>
-                  <a:outerShdw blurRad="38100" dist="19050" dir="2700000" algn="tl" rotWithShape="0">
-                    <a:schemeClr val="dk1">
-                      <a:alpha val="40000"/>
-                    </a:schemeClr>
-                  </a:outerShdw>
-                </a:effectLst>
-                <a:latin typeface="Calibri" pitchFamily="2" charset="0"/>
-                <a:ea typeface="宋体" charset="-122"/>
-                <a:cs typeface="+mn-ea"/>
-              </a:rPr>
-              <a:t>实验环境</a:t>
-            </a:r>
-            <a:endParaRPr lang="en-US" altLang="zh-CN" sz="2800" noProof="1" smtClean="0">
-              <a:effectLst>
-                <a:outerShdw blurRad="38100" dist="19050" dir="2700000" algn="tl" rotWithShape="0">
-                  <a:schemeClr val="dk1">
-                    <a:alpha val="40000"/>
-                  </a:schemeClr>
-                </a:outerShdw>
-              </a:effectLst>
-              <a:latin typeface="Calibri" pitchFamily="2" charset="0"/>
-              <a:ea typeface="宋体" charset="-122"/>
-              <a:cs typeface="+mn-ea"/>
-            </a:endParaRPr>
-          </a:p>
-          <a:p>
-            <a:pPr eaLnBrk="0" hangingPunct="0">
-              <a:lnSpc>
-                <a:spcPct val="120000"/>
-              </a:lnSpc>
-            </a:pPr>
-            <a:endParaRPr lang="en-US" altLang="zh-CN" sz="2800" noProof="1">
-              <a:effectLst>
-                <a:outerShdw blurRad="38100" dist="19050" dir="2700000" algn="tl" rotWithShape="0">
-                  <a:schemeClr val="dk1">
-                    <a:alpha val="40000"/>
-                  </a:schemeClr>
-                </a:outerShdw>
-              </a:effectLst>
-              <a:latin typeface="Calibri" pitchFamily="2" charset="0"/>
-              <a:ea typeface="宋体" charset="-122"/>
-              <a:cs typeface="+mn-ea"/>
-            </a:endParaRPr>
-          </a:p>
-        </p:txBody>
-      </p:sp>
-      <p:pic>
-        <p:nvPicPr>
-          <p:cNvPr id="3" name="图片 2"/>
-          <p:cNvPicPr>
-            <a:picLocks noChangeAspect="1"/>
-          </p:cNvPicPr>
-          <p:nvPr/>
-        </p:nvPicPr>
-        <p:blipFill>
-          <a:blip r:embed="rId2"/>
-          <a:stretch>
-            <a:fillRect/>
-          </a:stretch>
-        </p:blipFill>
-        <p:spPr>
-          <a:xfrm>
-            <a:off x="948986" y="1846358"/>
-            <a:ext cx="7442539" cy="4760543"/>
-          </a:xfrm>
-          <a:prstGeom prst="rect">
-            <a:avLst/>
-          </a:prstGeom>
-        </p:spPr>
-      </p:pic>
-    </p:spTree>
-    <p:extLst>
-      <p:ext uri="{BB962C8B-B14F-4D97-AF65-F5344CB8AC3E}">
-        <p14:creationId xmlns:p14="http://schemas.microsoft.com/office/powerpoint/2010/main" val="2422748471"/>
-      </p:ext>
-    </p:extLst>
-  </p:cSld>
-  <p:clrMapOvr>
-    <a:masterClrMapping/>
-  </p:clrMapOvr>
-  <p:timing>
-    <p:tnLst>
-      <p:par>
-        <p:cTn id="1" dur="indefinite" restart="never" nodeType="tmRoot"/>
-      </p:par>
-    </p:tnLst>
-  </p:timing>
-</p:sld>
-</file>
-
-<file path=ppt/slides/slide25.xml><?xml version="1.0" encoding="utf-8"?>
-<p:sld xmlns:a="http://schemas.openxmlformats.org/drawingml/2006/main" xmlns:r="http://schemas.openxmlformats.org/officeDocument/2006/relationships" xmlns:p="http://schemas.openxmlformats.org/presentationml/2006/main">
-  <p:cSld>
-    <p:spTree>
-      <p:nvGrpSpPr>
-        <p:cNvPr id="1" name=""/>
-        <p:cNvGrpSpPr/>
-        <p:nvPr/>
-      </p:nvGrpSpPr>
-      <p:grpSpPr>
-        <a:xfrm>
-          <a:off x="0" y="0"/>
-          <a:ext cx="0" cy="0"/>
-          <a:chOff x="0" y="0"/>
-          <a:chExt cx="0" cy="0"/>
-        </a:xfrm>
-      </p:grpSpPr>
-      <p:grpSp>
-        <p:nvGrpSpPr>
-          <p:cNvPr id="9218" name="组合 18"/>
-          <p:cNvGrpSpPr>
-            <a:grpSpLocks noChangeAspect="1"/>
-          </p:cNvGrpSpPr>
-          <p:nvPr/>
-        </p:nvGrpSpPr>
-        <p:grpSpPr bwMode="auto">
-          <a:xfrm>
-            <a:off x="611188" y="261938"/>
-            <a:ext cx="666750" cy="663575"/>
-            <a:chOff x="0" y="0"/>
-            <a:chExt cx="666069" cy="664458"/>
-          </a:xfrm>
-        </p:grpSpPr>
-        <p:sp>
-          <p:nvSpPr>
-            <p:cNvPr id="10242" name="矩形 8"/>
-            <p:cNvSpPr>
-              <a:spLocks noChangeAspect="1" noChangeArrowheads="1"/>
-            </p:cNvSpPr>
-            <p:nvPr/>
-          </p:nvSpPr>
-          <p:spPr bwMode="auto">
-            <a:xfrm>
-              <a:off x="0" y="0"/>
-              <a:ext cx="538925" cy="537622"/>
-            </a:xfrm>
-            <a:prstGeom prst="rect">
-              <a:avLst/>
-            </a:prstGeom>
-            <a:solidFill>
-              <a:srgbClr val="005490"/>
-            </a:solidFill>
-            <a:ln>
-              <a:noFill/>
-            </a:ln>
-            <a:extLst>
-              <a:ext uri="{91240B29-F687-4F45-9708-019B960494DF}">
-                <a14:hiddenLine xmlns:a14="http://schemas.microsoft.com/office/drawing/2010/main" w="9525">
-                  <a:solidFill>
-                    <a:srgbClr val="000000"/>
-                  </a:solidFill>
-                  <a:miter lim="800000"/>
-                  <a:headEnd/>
-                  <a:tailEnd/>
-                </a14:hiddenLine>
-              </a:ext>
-            </a:extLst>
-          </p:spPr>
-          <p:txBody>
-            <a:bodyPr anchor="ctr"/>
-            <a:lstStyle/>
-            <a:p>
-              <a:pPr algn="ctr"/>
-              <a:endParaRPr lang="zh-CN" altLang="en-US">
-                <a:solidFill>
-                  <a:srgbClr val="FFFFFF"/>
-                </a:solidFill>
-              </a:endParaRPr>
-            </a:p>
-          </p:txBody>
-        </p:sp>
-        <p:sp>
-          <p:nvSpPr>
-            <p:cNvPr id="10243" name="矩形 16"/>
-            <p:cNvSpPr>
-              <a:spLocks noChangeAspect="1" noChangeArrowheads="1"/>
-            </p:cNvSpPr>
-            <p:nvPr/>
-          </p:nvSpPr>
-          <p:spPr bwMode="auto">
-            <a:xfrm>
-              <a:off x="269463" y="268811"/>
-              <a:ext cx="396606" cy="395647"/>
-            </a:xfrm>
-            <a:prstGeom prst="rect">
-              <a:avLst/>
-            </a:prstGeom>
-            <a:solidFill>
-              <a:schemeClr val="accent1"/>
-            </a:solidFill>
-            <a:ln>
-              <a:noFill/>
-            </a:ln>
-            <a:extLst>
-              <a:ext uri="{91240B29-F687-4F45-9708-019B960494DF}">
-                <a14:hiddenLine xmlns:a14="http://schemas.microsoft.com/office/drawing/2010/main" w="9525">
-                  <a:solidFill>
-                    <a:srgbClr val="000000"/>
-                  </a:solidFill>
-                  <a:miter lim="800000"/>
-                  <a:headEnd/>
-                  <a:tailEnd/>
-                </a14:hiddenLine>
-              </a:ext>
-            </a:extLst>
-          </p:spPr>
-          <p:txBody>
-            <a:bodyPr anchor="ctr"/>
-            <a:lstStyle/>
-            <a:p>
-              <a:pPr algn="ctr"/>
-              <a:endParaRPr lang="zh-CN" altLang="en-US">
-                <a:solidFill>
-                  <a:srgbClr val="FFFFFF"/>
-                </a:solidFill>
-              </a:endParaRPr>
-            </a:p>
-          </p:txBody>
-        </p:sp>
-      </p:grpSp>
-      <p:sp>
-        <p:nvSpPr>
-          <p:cNvPr id="9221" name="文本框 17"/>
-          <p:cNvSpPr txBox="1">
-            <a:spLocks noChangeArrowheads="1"/>
-          </p:cNvSpPr>
-          <p:nvPr/>
-        </p:nvSpPr>
-        <p:spPr bwMode="auto">
-          <a:xfrm>
-            <a:off x="1419225" y="274638"/>
-            <a:ext cx="7113588" cy="646331"/>
-          </a:xfrm>
-          <a:prstGeom prst="rect">
-            <a:avLst/>
-          </a:prstGeom>
-          <a:noFill/>
-          <a:ln>
-            <a:noFill/>
-          </a:ln>
-          <a:extLst>
-            <a:ext uri="{909E8E84-426E-40DD-AFC4-6F175D3DCCD1}">
-              <a14:hiddenFill xmlns:a14="http://schemas.microsoft.com/office/drawing/2010/main">
-                <a:solidFill>
-                  <a:srgbClr val="FFFFFF"/>
-                </a:solidFill>
-              </a14:hiddenFill>
-            </a:ext>
-            <a:ext uri="{91240B29-F687-4F45-9708-019B960494DF}">
-              <a14:hiddenLine xmlns:a14="http://schemas.microsoft.com/office/drawing/2010/main" w="9525">
-                <a:solidFill>
-                  <a:srgbClr val="000000"/>
-                </a:solidFill>
-                <a:miter lim="800000"/>
-                <a:headEnd/>
-                <a:tailEnd/>
-              </a14:hiddenLine>
-            </a:ext>
-          </a:extLst>
-        </p:spPr>
-        <p:txBody>
-          <a:bodyPr>
-            <a:spAutoFit/>
-          </a:bodyPr>
-          <a:lstStyle/>
-          <a:p>
-            <a:pPr algn="ctr"/>
-            <a:r>
-              <a:rPr lang="zh-CN" altLang="en-US" sz="3600" b="1" dirty="0" smtClean="0">
-                <a:solidFill>
-                  <a:schemeClr val="accent1"/>
-                </a:solidFill>
-                <a:latin typeface="微软雅黑" panose="020B0503020204020204" pitchFamily="34" charset="-122"/>
-                <a:ea typeface="微软雅黑" panose="020B0503020204020204" pitchFamily="34" charset="-122"/>
-              </a:rPr>
-              <a:t>实验与分析</a:t>
-            </a:r>
-            <a:endParaRPr lang="zh-CN" altLang="en-US" sz="3600" dirty="0"/>
-          </a:p>
-        </p:txBody>
-      </p:sp>
-      <p:grpSp>
-        <p:nvGrpSpPr>
-          <p:cNvPr id="9222" name="组合 19"/>
-          <p:cNvGrpSpPr>
-            <a:grpSpLocks/>
-          </p:cNvGrpSpPr>
-          <p:nvPr/>
-        </p:nvGrpSpPr>
-        <p:grpSpPr bwMode="auto">
-          <a:xfrm>
-            <a:off x="1220788" y="6519863"/>
-            <a:ext cx="8024812" cy="352425"/>
-            <a:chOff x="0" y="0"/>
-            <a:chExt cx="8024939" cy="352860"/>
-          </a:xfrm>
-        </p:grpSpPr>
-        <p:sp>
-          <p:nvSpPr>
-            <p:cNvPr id="10246" name="矩形 21"/>
-            <p:cNvSpPr>
-              <a:spLocks noChangeArrowheads="1"/>
-            </p:cNvSpPr>
-            <p:nvPr/>
-          </p:nvSpPr>
-          <p:spPr bwMode="auto">
-            <a:xfrm>
-              <a:off x="7489625" y="0"/>
-              <a:ext cx="432000" cy="338554"/>
-            </a:xfrm>
-            <a:prstGeom prst="rect">
-              <a:avLst/>
-            </a:prstGeom>
-            <a:solidFill>
-              <a:schemeClr val="accent1"/>
-            </a:solidFill>
-            <a:ln>
-              <a:noFill/>
-            </a:ln>
-            <a:extLst>
-              <a:ext uri="{91240B29-F687-4F45-9708-019B960494DF}">
-                <a14:hiddenLine xmlns:a14="http://schemas.microsoft.com/office/drawing/2010/main" w="9525">
-                  <a:solidFill>
-                    <a:srgbClr val="000000"/>
-                  </a:solidFill>
-                  <a:miter lim="800000"/>
-                  <a:headEnd/>
-                  <a:tailEnd/>
-                </a14:hiddenLine>
-              </a:ext>
-            </a:extLst>
-          </p:spPr>
-          <p:txBody>
-            <a:bodyPr anchor="ctr"/>
-            <a:lstStyle/>
-            <a:p>
-              <a:pPr algn="ctr"/>
-              <a:endParaRPr lang="zh-CN" altLang="en-US">
-                <a:solidFill>
-                  <a:srgbClr val="FFFFFF"/>
-                </a:solidFill>
-              </a:endParaRPr>
-            </a:p>
-          </p:txBody>
-        </p:sp>
-        <p:sp>
-          <p:nvSpPr>
-            <p:cNvPr id="10247" name="文本框 22"/>
-            <p:cNvSpPr txBox="1">
-              <a:spLocks noChangeArrowheads="1"/>
-            </p:cNvSpPr>
-            <p:nvPr/>
-          </p:nvSpPr>
-          <p:spPr bwMode="auto">
-            <a:xfrm>
-              <a:off x="7386311" y="0"/>
-              <a:ext cx="638628" cy="352860"/>
-            </a:xfrm>
-            <a:prstGeom prst="rect">
-              <a:avLst/>
-            </a:prstGeom>
-            <a:noFill/>
-            <a:ln>
-              <a:noFill/>
-            </a:ln>
-            <a:extLst>
-              <a:ext uri="{909E8E84-426E-40DD-AFC4-6F175D3DCCD1}">
-                <a14:hiddenFill xmlns:a14="http://schemas.microsoft.com/office/drawing/2010/main">
-                  <a:solidFill>
-                    <a:srgbClr val="FFFFFF"/>
-                  </a:solidFill>
-                </a14:hiddenFill>
-              </a:ext>
-              <a:ext uri="{91240B29-F687-4F45-9708-019B960494DF}">
-                <a14:hiddenLine xmlns:a14="http://schemas.microsoft.com/office/drawing/2010/main" w="9525">
-                  <a:solidFill>
-                    <a:srgbClr val="000000"/>
-                  </a:solidFill>
-                  <a:miter lim="800000"/>
-                  <a:headEnd/>
-                  <a:tailEnd/>
-                </a14:hiddenLine>
-              </a:ext>
-            </a:extLst>
-          </p:spPr>
-          <p:txBody>
-            <a:bodyPr>
-              <a:spAutoFit/>
-            </a:bodyPr>
-            <a:lstStyle/>
-            <a:p>
-              <a:pPr algn="ctr"/>
-              <a:r>
-                <a:rPr lang="en-US" sz="1600">
-                  <a:solidFill>
-                    <a:schemeClr val="bg1"/>
-                  </a:solidFill>
-                  <a:latin typeface="微软雅黑" panose="020B0503020204020204" pitchFamily="34" charset="-122"/>
-                  <a:ea typeface="微软雅黑" panose="020B0503020204020204" pitchFamily="34" charset="-122"/>
-                </a:rPr>
-                <a:t>0</a:t>
-              </a:r>
-              <a:r>
-                <a:rPr lang="en-US" altLang="zh-CN" sz="1600">
-                  <a:solidFill>
-                    <a:schemeClr val="bg1"/>
-                  </a:solidFill>
-                  <a:latin typeface="微软雅黑" panose="020B0503020204020204" pitchFamily="34" charset="-122"/>
-                  <a:ea typeface="微软雅黑" panose="020B0503020204020204" pitchFamily="34" charset="-122"/>
-                </a:rPr>
-                <a:t>3</a:t>
-              </a:r>
-            </a:p>
-          </p:txBody>
-        </p:sp>
-        <p:sp>
-          <p:nvSpPr>
-            <p:cNvPr id="10248" name="文本框 23"/>
-            <p:cNvSpPr txBox="1">
-              <a:spLocks noChangeArrowheads="1"/>
-            </p:cNvSpPr>
-            <p:nvPr/>
-          </p:nvSpPr>
-          <p:spPr bwMode="auto">
-            <a:xfrm>
-              <a:off x="0" y="0"/>
-              <a:ext cx="7489625" cy="338554"/>
-            </a:xfrm>
-            <a:prstGeom prst="rect">
-              <a:avLst/>
-            </a:prstGeom>
-            <a:noFill/>
-            <a:ln>
-              <a:noFill/>
-            </a:ln>
-            <a:extLst>
-              <a:ext uri="{909E8E84-426E-40DD-AFC4-6F175D3DCCD1}">
-                <a14:hiddenFill xmlns:a14="http://schemas.microsoft.com/office/drawing/2010/main">
-                  <a:solidFill>
-                    <a:srgbClr val="FFFFFF"/>
-                  </a:solidFill>
-                </a14:hiddenFill>
-              </a:ext>
-              <a:ext uri="{91240B29-F687-4F45-9708-019B960494DF}">
-                <a14:hiddenLine xmlns:a14="http://schemas.microsoft.com/office/drawing/2010/main" w="9525">
-                  <a:solidFill>
-                    <a:srgbClr val="000000"/>
-                  </a:solidFill>
-                  <a:miter lim="800000"/>
-                  <a:headEnd/>
-                  <a:tailEnd/>
-                </a14:hiddenLine>
-              </a:ext>
-            </a:extLst>
-          </p:spPr>
-          <p:txBody>
-            <a:bodyPr>
-              <a:spAutoFit/>
-            </a:bodyPr>
-            <a:lstStyle/>
-            <a:p>
-              <a:pPr algn="r"/>
-              <a:endParaRPr lang="zh-CN" altLang="en-US" sz="1600">
-                <a:solidFill>
-                  <a:srgbClr val="262626"/>
-                </a:solidFill>
-                <a:latin typeface="微软雅黑" panose="020B0503020204020204" pitchFamily="34" charset="-122"/>
-                <a:ea typeface="微软雅黑" panose="020B0503020204020204" pitchFamily="34" charset="-122"/>
-              </a:endParaRPr>
-            </a:p>
-          </p:txBody>
-        </p:sp>
-      </p:grpSp>
-      <p:sp>
-        <p:nvSpPr>
-          <p:cNvPr id="9227" name="文本框 9226"/>
-          <p:cNvSpPr txBox="1"/>
-          <p:nvPr/>
-        </p:nvSpPr>
-        <p:spPr>
-          <a:xfrm>
-            <a:off x="790575" y="1239838"/>
             <a:ext cx="7600950" cy="1091966"/>
           </a:xfrm>
           <a:prstGeom prst="rect">
@@ -36178,7 +35671,7 @@
 </p:sld>
 </file>
 
-<file path=ppt/slides/slide26.xml><?xml version="1.0" encoding="utf-8"?>
+<file path=ppt/slides/slide25.xml><?xml version="1.0" encoding="utf-8"?>
 <p:sld xmlns:a="http://schemas.openxmlformats.org/drawingml/2006/main" xmlns:r="http://schemas.openxmlformats.org/officeDocument/2006/relationships" xmlns:p="http://schemas.openxmlformats.org/presentationml/2006/main">
   <p:cSld>
     <p:spTree>
@@ -36800,7 +36293,7 @@
 </p:sld>
 </file>
 
-<file path=ppt/slides/slide27.xml><?xml version="1.0" encoding="utf-8"?>
+<file path=ppt/slides/slide26.xml><?xml version="1.0" encoding="utf-8"?>
 <p:sld xmlns:a="http://schemas.openxmlformats.org/drawingml/2006/main" xmlns:r="http://schemas.openxmlformats.org/officeDocument/2006/relationships" xmlns:p="http://schemas.openxmlformats.org/presentationml/2006/main">
   <p:cSld>
     <p:spTree>
@@ -37227,7 +36720,7 @@
 </p:sld>
 </file>
 
-<file path=ppt/slides/slide28.xml><?xml version="1.0" encoding="utf-8"?>
+<file path=ppt/slides/slide27.xml><?xml version="1.0" encoding="utf-8"?>
 <p:sld xmlns:a="http://schemas.openxmlformats.org/drawingml/2006/main" xmlns:r="http://schemas.openxmlformats.org/officeDocument/2006/relationships" xmlns:p="http://schemas.openxmlformats.org/presentationml/2006/main">
   <p:cSld>
     <p:spTree>
@@ -37753,7 +37246,7 @@
 </p:sld>
 </file>
 
-<file path=ppt/slides/slide29.xml><?xml version="1.0" encoding="utf-8"?>
+<file path=ppt/slides/slide28.xml><?xml version="1.0" encoding="utf-8"?>
 <p:sld xmlns:a="http://schemas.openxmlformats.org/drawingml/2006/main" xmlns:r="http://schemas.openxmlformats.org/officeDocument/2006/relationships" xmlns:p="http://schemas.openxmlformats.org/presentationml/2006/main">
   <p:cSld>
     <p:spTree>
@@ -38164,6 +37657,433 @@
     <p:extLst>
       <p:ext uri="{BB962C8B-B14F-4D97-AF65-F5344CB8AC3E}">
         <p14:creationId xmlns:p14="http://schemas.microsoft.com/office/powerpoint/2010/main" val="3871821795"/>
+      </p:ext>
+    </p:extLst>
+  </p:cSld>
+  <p:clrMapOvr>
+    <a:masterClrMapping/>
+  </p:clrMapOvr>
+  <p:timing>
+    <p:tnLst>
+      <p:par>
+        <p:cTn id="1" dur="indefinite" restart="never" nodeType="tmRoot"/>
+      </p:par>
+    </p:tnLst>
+  </p:timing>
+</p:sld>
+</file>
+
+<file path=ppt/slides/slide29.xml><?xml version="1.0" encoding="utf-8"?>
+<p:sld xmlns:a="http://schemas.openxmlformats.org/drawingml/2006/main" xmlns:r="http://schemas.openxmlformats.org/officeDocument/2006/relationships" xmlns:p="http://schemas.openxmlformats.org/presentationml/2006/main">
+  <p:cSld>
+    <p:spTree>
+      <p:nvGrpSpPr>
+        <p:cNvPr id="1" name=""/>
+        <p:cNvGrpSpPr/>
+        <p:nvPr/>
+      </p:nvGrpSpPr>
+      <p:grpSpPr>
+        <a:xfrm>
+          <a:off x="0" y="0"/>
+          <a:ext cx="0" cy="0"/>
+          <a:chOff x="0" y="0"/>
+          <a:chExt cx="0" cy="0"/>
+        </a:xfrm>
+      </p:grpSpPr>
+      <p:grpSp>
+        <p:nvGrpSpPr>
+          <p:cNvPr id="9218" name="组合 18"/>
+          <p:cNvGrpSpPr>
+            <a:grpSpLocks noChangeAspect="1"/>
+          </p:cNvGrpSpPr>
+          <p:nvPr/>
+        </p:nvGrpSpPr>
+        <p:grpSpPr bwMode="auto">
+          <a:xfrm>
+            <a:off x="611188" y="261938"/>
+            <a:ext cx="666750" cy="663575"/>
+            <a:chOff x="0" y="0"/>
+            <a:chExt cx="666069" cy="664458"/>
+          </a:xfrm>
+        </p:grpSpPr>
+        <p:sp>
+          <p:nvSpPr>
+            <p:cNvPr id="10242" name="矩形 8"/>
+            <p:cNvSpPr>
+              <a:spLocks noChangeAspect="1" noChangeArrowheads="1"/>
+            </p:cNvSpPr>
+            <p:nvPr/>
+          </p:nvSpPr>
+          <p:spPr bwMode="auto">
+            <a:xfrm>
+              <a:off x="0" y="0"/>
+              <a:ext cx="538925" cy="537622"/>
+            </a:xfrm>
+            <a:prstGeom prst="rect">
+              <a:avLst/>
+            </a:prstGeom>
+            <a:solidFill>
+              <a:srgbClr val="005490"/>
+            </a:solidFill>
+            <a:ln>
+              <a:noFill/>
+            </a:ln>
+            <a:extLst>
+              <a:ext uri="{91240B29-F687-4F45-9708-019B960494DF}">
+                <a14:hiddenLine xmlns:a14="http://schemas.microsoft.com/office/drawing/2010/main" w="9525">
+                  <a:solidFill>
+                    <a:srgbClr val="000000"/>
+                  </a:solidFill>
+                  <a:miter lim="800000"/>
+                  <a:headEnd/>
+                  <a:tailEnd/>
+                </a14:hiddenLine>
+              </a:ext>
+            </a:extLst>
+          </p:spPr>
+          <p:txBody>
+            <a:bodyPr anchor="ctr"/>
+            <a:lstStyle/>
+            <a:p>
+              <a:pPr algn="ctr"/>
+              <a:endParaRPr lang="zh-CN" altLang="en-US">
+                <a:solidFill>
+                  <a:srgbClr val="FFFFFF"/>
+                </a:solidFill>
+              </a:endParaRPr>
+            </a:p>
+          </p:txBody>
+        </p:sp>
+        <p:sp>
+          <p:nvSpPr>
+            <p:cNvPr id="10243" name="矩形 16"/>
+            <p:cNvSpPr>
+              <a:spLocks noChangeAspect="1" noChangeArrowheads="1"/>
+            </p:cNvSpPr>
+            <p:nvPr/>
+          </p:nvSpPr>
+          <p:spPr bwMode="auto">
+            <a:xfrm>
+              <a:off x="269463" y="268811"/>
+              <a:ext cx="396606" cy="395647"/>
+            </a:xfrm>
+            <a:prstGeom prst="rect">
+              <a:avLst/>
+            </a:prstGeom>
+            <a:solidFill>
+              <a:schemeClr val="accent1"/>
+            </a:solidFill>
+            <a:ln>
+              <a:noFill/>
+            </a:ln>
+            <a:extLst>
+              <a:ext uri="{91240B29-F687-4F45-9708-019B960494DF}">
+                <a14:hiddenLine xmlns:a14="http://schemas.microsoft.com/office/drawing/2010/main" w="9525">
+                  <a:solidFill>
+                    <a:srgbClr val="000000"/>
+                  </a:solidFill>
+                  <a:miter lim="800000"/>
+                  <a:headEnd/>
+                  <a:tailEnd/>
+                </a14:hiddenLine>
+              </a:ext>
+            </a:extLst>
+          </p:spPr>
+          <p:txBody>
+            <a:bodyPr anchor="ctr"/>
+            <a:lstStyle/>
+            <a:p>
+              <a:pPr algn="ctr"/>
+              <a:endParaRPr lang="zh-CN" altLang="en-US">
+                <a:solidFill>
+                  <a:srgbClr val="FFFFFF"/>
+                </a:solidFill>
+              </a:endParaRPr>
+            </a:p>
+          </p:txBody>
+        </p:sp>
+      </p:grpSp>
+      <p:sp>
+        <p:nvSpPr>
+          <p:cNvPr id="9221" name="文本框 17"/>
+          <p:cNvSpPr txBox="1">
+            <a:spLocks noChangeArrowheads="1"/>
+          </p:cNvSpPr>
+          <p:nvPr/>
+        </p:nvSpPr>
+        <p:spPr bwMode="auto">
+          <a:xfrm>
+            <a:off x="1419225" y="274638"/>
+            <a:ext cx="7113588" cy="646331"/>
+          </a:xfrm>
+          <a:prstGeom prst="rect">
+            <a:avLst/>
+          </a:prstGeom>
+          <a:noFill/>
+          <a:ln>
+            <a:noFill/>
+          </a:ln>
+          <a:extLst>
+            <a:ext uri="{909E8E84-426E-40DD-AFC4-6F175D3DCCD1}">
+              <a14:hiddenFill xmlns:a14="http://schemas.microsoft.com/office/drawing/2010/main">
+                <a:solidFill>
+                  <a:srgbClr val="FFFFFF"/>
+                </a:solidFill>
+              </a14:hiddenFill>
+            </a:ext>
+            <a:ext uri="{91240B29-F687-4F45-9708-019B960494DF}">
+              <a14:hiddenLine xmlns:a14="http://schemas.microsoft.com/office/drawing/2010/main" w="9525">
+                <a:solidFill>
+                  <a:srgbClr val="000000"/>
+                </a:solidFill>
+                <a:miter lim="800000"/>
+                <a:headEnd/>
+                <a:tailEnd/>
+              </a14:hiddenLine>
+            </a:ext>
+          </a:extLst>
+        </p:spPr>
+        <p:txBody>
+          <a:bodyPr>
+            <a:spAutoFit/>
+          </a:bodyPr>
+          <a:lstStyle/>
+          <a:p>
+            <a:pPr algn="ctr"/>
+            <a:r>
+              <a:rPr lang="zh-CN" altLang="en-US" sz="3600" b="1" dirty="0" smtClean="0">
+                <a:solidFill>
+                  <a:schemeClr val="accent1"/>
+                </a:solidFill>
+                <a:latin typeface="微软雅黑" panose="020B0503020204020204" pitchFamily="34" charset="-122"/>
+                <a:ea typeface="微软雅黑" panose="020B0503020204020204" pitchFamily="34" charset="-122"/>
+              </a:rPr>
+              <a:t>实验与分析</a:t>
+            </a:r>
+            <a:endParaRPr lang="zh-CN" altLang="en-US" sz="3600" dirty="0"/>
+          </a:p>
+        </p:txBody>
+      </p:sp>
+      <p:grpSp>
+        <p:nvGrpSpPr>
+          <p:cNvPr id="9222" name="组合 19"/>
+          <p:cNvGrpSpPr>
+            <a:grpSpLocks/>
+          </p:cNvGrpSpPr>
+          <p:nvPr/>
+        </p:nvGrpSpPr>
+        <p:grpSpPr bwMode="auto">
+          <a:xfrm>
+            <a:off x="1220788" y="6519863"/>
+            <a:ext cx="8024812" cy="352425"/>
+            <a:chOff x="0" y="0"/>
+            <a:chExt cx="8024939" cy="352860"/>
+          </a:xfrm>
+        </p:grpSpPr>
+        <p:sp>
+          <p:nvSpPr>
+            <p:cNvPr id="10246" name="矩形 21"/>
+            <p:cNvSpPr>
+              <a:spLocks noChangeArrowheads="1"/>
+            </p:cNvSpPr>
+            <p:nvPr/>
+          </p:nvSpPr>
+          <p:spPr bwMode="auto">
+            <a:xfrm>
+              <a:off x="7489625" y="0"/>
+              <a:ext cx="432000" cy="338554"/>
+            </a:xfrm>
+            <a:prstGeom prst="rect">
+              <a:avLst/>
+            </a:prstGeom>
+            <a:solidFill>
+              <a:schemeClr val="accent1"/>
+            </a:solidFill>
+            <a:ln>
+              <a:noFill/>
+            </a:ln>
+            <a:extLst>
+              <a:ext uri="{91240B29-F687-4F45-9708-019B960494DF}">
+                <a14:hiddenLine xmlns:a14="http://schemas.microsoft.com/office/drawing/2010/main" w="9525">
+                  <a:solidFill>
+                    <a:srgbClr val="000000"/>
+                  </a:solidFill>
+                  <a:miter lim="800000"/>
+                  <a:headEnd/>
+                  <a:tailEnd/>
+                </a14:hiddenLine>
+              </a:ext>
+            </a:extLst>
+          </p:spPr>
+          <p:txBody>
+            <a:bodyPr anchor="ctr"/>
+            <a:lstStyle/>
+            <a:p>
+              <a:pPr algn="ctr"/>
+              <a:endParaRPr lang="zh-CN" altLang="en-US">
+                <a:solidFill>
+                  <a:srgbClr val="FFFFFF"/>
+                </a:solidFill>
+              </a:endParaRPr>
+            </a:p>
+          </p:txBody>
+        </p:sp>
+        <p:sp>
+          <p:nvSpPr>
+            <p:cNvPr id="10247" name="文本框 22"/>
+            <p:cNvSpPr txBox="1">
+              <a:spLocks noChangeArrowheads="1"/>
+            </p:cNvSpPr>
+            <p:nvPr/>
+          </p:nvSpPr>
+          <p:spPr bwMode="auto">
+            <a:xfrm>
+              <a:off x="7386311" y="0"/>
+              <a:ext cx="638628" cy="352860"/>
+            </a:xfrm>
+            <a:prstGeom prst="rect">
+              <a:avLst/>
+            </a:prstGeom>
+            <a:noFill/>
+            <a:ln>
+              <a:noFill/>
+            </a:ln>
+            <a:extLst>
+              <a:ext uri="{909E8E84-426E-40DD-AFC4-6F175D3DCCD1}">
+                <a14:hiddenFill xmlns:a14="http://schemas.microsoft.com/office/drawing/2010/main">
+                  <a:solidFill>
+                    <a:srgbClr val="FFFFFF"/>
+                  </a:solidFill>
+                </a14:hiddenFill>
+              </a:ext>
+              <a:ext uri="{91240B29-F687-4F45-9708-019B960494DF}">
+                <a14:hiddenLine xmlns:a14="http://schemas.microsoft.com/office/drawing/2010/main" w="9525">
+                  <a:solidFill>
+                    <a:srgbClr val="000000"/>
+                  </a:solidFill>
+                  <a:miter lim="800000"/>
+                  <a:headEnd/>
+                  <a:tailEnd/>
+                </a14:hiddenLine>
+              </a:ext>
+            </a:extLst>
+          </p:spPr>
+          <p:txBody>
+            <a:bodyPr>
+              <a:spAutoFit/>
+            </a:bodyPr>
+            <a:lstStyle/>
+            <a:p>
+              <a:pPr algn="ctr"/>
+              <a:r>
+                <a:rPr lang="en-US" sz="1600">
+                  <a:solidFill>
+                    <a:schemeClr val="bg1"/>
+                  </a:solidFill>
+                  <a:latin typeface="微软雅黑" panose="020B0503020204020204" pitchFamily="34" charset="-122"/>
+                  <a:ea typeface="微软雅黑" panose="020B0503020204020204" pitchFamily="34" charset="-122"/>
+                </a:rPr>
+                <a:t>0</a:t>
+              </a:r>
+              <a:r>
+                <a:rPr lang="en-US" altLang="zh-CN" sz="1600">
+                  <a:solidFill>
+                    <a:schemeClr val="bg1"/>
+                  </a:solidFill>
+                  <a:latin typeface="微软雅黑" panose="020B0503020204020204" pitchFamily="34" charset="-122"/>
+                  <a:ea typeface="微软雅黑" panose="020B0503020204020204" pitchFamily="34" charset="-122"/>
+                </a:rPr>
+                <a:t>3</a:t>
+              </a:r>
+            </a:p>
+          </p:txBody>
+        </p:sp>
+        <p:sp>
+          <p:nvSpPr>
+            <p:cNvPr id="10248" name="文本框 23"/>
+            <p:cNvSpPr txBox="1">
+              <a:spLocks noChangeArrowheads="1"/>
+            </p:cNvSpPr>
+            <p:nvPr/>
+          </p:nvSpPr>
+          <p:spPr bwMode="auto">
+            <a:xfrm>
+              <a:off x="0" y="0"/>
+              <a:ext cx="7489625" cy="338554"/>
+            </a:xfrm>
+            <a:prstGeom prst="rect">
+              <a:avLst/>
+            </a:prstGeom>
+            <a:noFill/>
+            <a:ln>
+              <a:noFill/>
+            </a:ln>
+            <a:extLst>
+              <a:ext uri="{909E8E84-426E-40DD-AFC4-6F175D3DCCD1}">
+                <a14:hiddenFill xmlns:a14="http://schemas.microsoft.com/office/drawing/2010/main">
+                  <a:solidFill>
+                    <a:srgbClr val="FFFFFF"/>
+                  </a:solidFill>
+                </a14:hiddenFill>
+              </a:ext>
+              <a:ext uri="{91240B29-F687-4F45-9708-019B960494DF}">
+                <a14:hiddenLine xmlns:a14="http://schemas.microsoft.com/office/drawing/2010/main" w="9525">
+                  <a:solidFill>
+                    <a:srgbClr val="000000"/>
+                  </a:solidFill>
+                  <a:miter lim="800000"/>
+                  <a:headEnd/>
+                  <a:tailEnd/>
+                </a14:hiddenLine>
+              </a:ext>
+            </a:extLst>
+          </p:spPr>
+          <p:txBody>
+            <a:bodyPr>
+              <a:spAutoFit/>
+            </a:bodyPr>
+            <a:lstStyle/>
+            <a:p>
+              <a:pPr algn="r"/>
+              <a:endParaRPr lang="zh-CN" altLang="en-US" sz="1600">
+                <a:solidFill>
+                  <a:srgbClr val="262626"/>
+                </a:solidFill>
+                <a:latin typeface="微软雅黑" panose="020B0503020204020204" pitchFamily="34" charset="-122"/>
+                <a:ea typeface="微软雅黑" panose="020B0503020204020204" pitchFamily="34" charset="-122"/>
+              </a:endParaRPr>
+            </a:p>
+          </p:txBody>
+        </p:sp>
+      </p:grpSp>
+      <p:pic>
+        <p:nvPicPr>
+          <p:cNvPr id="2" name="图片 1"/>
+          <p:cNvPicPr>
+            <a:picLocks noChangeAspect="1"/>
+          </p:cNvPicPr>
+          <p:nvPr/>
+        </p:nvPicPr>
+        <p:blipFill>
+          <a:blip r:embed="rId2"/>
+          <a:stretch>
+            <a:fillRect/>
+          </a:stretch>
+        </p:blipFill>
+        <p:spPr>
+          <a:xfrm>
+            <a:off x="2001984" y="1267327"/>
+            <a:ext cx="5862610" cy="5131860"/>
+          </a:xfrm>
+          <a:prstGeom prst="rect">
+            <a:avLst/>
+          </a:prstGeom>
+        </p:spPr>
+      </p:pic>
+    </p:spTree>
+    <p:extLst>
+      <p:ext uri="{BB962C8B-B14F-4D97-AF65-F5344CB8AC3E}">
+        <p14:creationId xmlns:p14="http://schemas.microsoft.com/office/powerpoint/2010/main" val="2116893221"/>
       </p:ext>
     </p:extLst>
   </p:cSld>
@@ -39204,433 +39124,6 @@
       </p:grpSp>
       <p:pic>
         <p:nvPicPr>
-          <p:cNvPr id="2" name="图片 1"/>
-          <p:cNvPicPr>
-            <a:picLocks noChangeAspect="1"/>
-          </p:cNvPicPr>
-          <p:nvPr/>
-        </p:nvPicPr>
-        <p:blipFill>
-          <a:blip r:embed="rId2"/>
-          <a:stretch>
-            <a:fillRect/>
-          </a:stretch>
-        </p:blipFill>
-        <p:spPr>
-          <a:xfrm>
-            <a:off x="2001984" y="1267327"/>
-            <a:ext cx="5862610" cy="5131860"/>
-          </a:xfrm>
-          <a:prstGeom prst="rect">
-            <a:avLst/>
-          </a:prstGeom>
-        </p:spPr>
-      </p:pic>
-    </p:spTree>
-    <p:extLst>
-      <p:ext uri="{BB962C8B-B14F-4D97-AF65-F5344CB8AC3E}">
-        <p14:creationId xmlns:p14="http://schemas.microsoft.com/office/powerpoint/2010/main" val="2116893221"/>
-      </p:ext>
-    </p:extLst>
-  </p:cSld>
-  <p:clrMapOvr>
-    <a:masterClrMapping/>
-  </p:clrMapOvr>
-  <p:timing>
-    <p:tnLst>
-      <p:par>
-        <p:cTn id="1" dur="indefinite" restart="never" nodeType="tmRoot"/>
-      </p:par>
-    </p:tnLst>
-  </p:timing>
-</p:sld>
-</file>
-
-<file path=ppt/slides/slide31.xml><?xml version="1.0" encoding="utf-8"?>
-<p:sld xmlns:a="http://schemas.openxmlformats.org/drawingml/2006/main" xmlns:r="http://schemas.openxmlformats.org/officeDocument/2006/relationships" xmlns:p="http://schemas.openxmlformats.org/presentationml/2006/main">
-  <p:cSld>
-    <p:spTree>
-      <p:nvGrpSpPr>
-        <p:cNvPr id="1" name=""/>
-        <p:cNvGrpSpPr/>
-        <p:nvPr/>
-      </p:nvGrpSpPr>
-      <p:grpSpPr>
-        <a:xfrm>
-          <a:off x="0" y="0"/>
-          <a:ext cx="0" cy="0"/>
-          <a:chOff x="0" y="0"/>
-          <a:chExt cx="0" cy="0"/>
-        </a:xfrm>
-      </p:grpSpPr>
-      <p:grpSp>
-        <p:nvGrpSpPr>
-          <p:cNvPr id="9218" name="组合 18"/>
-          <p:cNvGrpSpPr>
-            <a:grpSpLocks noChangeAspect="1"/>
-          </p:cNvGrpSpPr>
-          <p:nvPr/>
-        </p:nvGrpSpPr>
-        <p:grpSpPr bwMode="auto">
-          <a:xfrm>
-            <a:off x="611188" y="261938"/>
-            <a:ext cx="666750" cy="663575"/>
-            <a:chOff x="0" y="0"/>
-            <a:chExt cx="666069" cy="664458"/>
-          </a:xfrm>
-        </p:grpSpPr>
-        <p:sp>
-          <p:nvSpPr>
-            <p:cNvPr id="10242" name="矩形 8"/>
-            <p:cNvSpPr>
-              <a:spLocks noChangeAspect="1" noChangeArrowheads="1"/>
-            </p:cNvSpPr>
-            <p:nvPr/>
-          </p:nvSpPr>
-          <p:spPr bwMode="auto">
-            <a:xfrm>
-              <a:off x="0" y="0"/>
-              <a:ext cx="538925" cy="537622"/>
-            </a:xfrm>
-            <a:prstGeom prst="rect">
-              <a:avLst/>
-            </a:prstGeom>
-            <a:solidFill>
-              <a:srgbClr val="005490"/>
-            </a:solidFill>
-            <a:ln>
-              <a:noFill/>
-            </a:ln>
-            <a:extLst>
-              <a:ext uri="{91240B29-F687-4F45-9708-019B960494DF}">
-                <a14:hiddenLine xmlns:a14="http://schemas.microsoft.com/office/drawing/2010/main" w="9525">
-                  <a:solidFill>
-                    <a:srgbClr val="000000"/>
-                  </a:solidFill>
-                  <a:miter lim="800000"/>
-                  <a:headEnd/>
-                  <a:tailEnd/>
-                </a14:hiddenLine>
-              </a:ext>
-            </a:extLst>
-          </p:spPr>
-          <p:txBody>
-            <a:bodyPr anchor="ctr"/>
-            <a:lstStyle/>
-            <a:p>
-              <a:pPr algn="ctr"/>
-              <a:endParaRPr lang="zh-CN" altLang="en-US">
-                <a:solidFill>
-                  <a:srgbClr val="FFFFFF"/>
-                </a:solidFill>
-              </a:endParaRPr>
-            </a:p>
-          </p:txBody>
-        </p:sp>
-        <p:sp>
-          <p:nvSpPr>
-            <p:cNvPr id="10243" name="矩形 16"/>
-            <p:cNvSpPr>
-              <a:spLocks noChangeAspect="1" noChangeArrowheads="1"/>
-            </p:cNvSpPr>
-            <p:nvPr/>
-          </p:nvSpPr>
-          <p:spPr bwMode="auto">
-            <a:xfrm>
-              <a:off x="269463" y="268811"/>
-              <a:ext cx="396606" cy="395647"/>
-            </a:xfrm>
-            <a:prstGeom prst="rect">
-              <a:avLst/>
-            </a:prstGeom>
-            <a:solidFill>
-              <a:schemeClr val="accent1"/>
-            </a:solidFill>
-            <a:ln>
-              <a:noFill/>
-            </a:ln>
-            <a:extLst>
-              <a:ext uri="{91240B29-F687-4F45-9708-019B960494DF}">
-                <a14:hiddenLine xmlns:a14="http://schemas.microsoft.com/office/drawing/2010/main" w="9525">
-                  <a:solidFill>
-                    <a:srgbClr val="000000"/>
-                  </a:solidFill>
-                  <a:miter lim="800000"/>
-                  <a:headEnd/>
-                  <a:tailEnd/>
-                </a14:hiddenLine>
-              </a:ext>
-            </a:extLst>
-          </p:spPr>
-          <p:txBody>
-            <a:bodyPr anchor="ctr"/>
-            <a:lstStyle/>
-            <a:p>
-              <a:pPr algn="ctr"/>
-              <a:endParaRPr lang="zh-CN" altLang="en-US">
-                <a:solidFill>
-                  <a:srgbClr val="FFFFFF"/>
-                </a:solidFill>
-              </a:endParaRPr>
-            </a:p>
-          </p:txBody>
-        </p:sp>
-      </p:grpSp>
-      <p:sp>
-        <p:nvSpPr>
-          <p:cNvPr id="9221" name="文本框 17"/>
-          <p:cNvSpPr txBox="1">
-            <a:spLocks noChangeArrowheads="1"/>
-          </p:cNvSpPr>
-          <p:nvPr/>
-        </p:nvSpPr>
-        <p:spPr bwMode="auto">
-          <a:xfrm>
-            <a:off x="1419225" y="274638"/>
-            <a:ext cx="7113588" cy="646331"/>
-          </a:xfrm>
-          <a:prstGeom prst="rect">
-            <a:avLst/>
-          </a:prstGeom>
-          <a:noFill/>
-          <a:ln>
-            <a:noFill/>
-          </a:ln>
-          <a:extLst>
-            <a:ext uri="{909E8E84-426E-40DD-AFC4-6F175D3DCCD1}">
-              <a14:hiddenFill xmlns:a14="http://schemas.microsoft.com/office/drawing/2010/main">
-                <a:solidFill>
-                  <a:srgbClr val="FFFFFF"/>
-                </a:solidFill>
-              </a14:hiddenFill>
-            </a:ext>
-            <a:ext uri="{91240B29-F687-4F45-9708-019B960494DF}">
-              <a14:hiddenLine xmlns:a14="http://schemas.microsoft.com/office/drawing/2010/main" w="9525">
-                <a:solidFill>
-                  <a:srgbClr val="000000"/>
-                </a:solidFill>
-                <a:miter lim="800000"/>
-                <a:headEnd/>
-                <a:tailEnd/>
-              </a14:hiddenLine>
-            </a:ext>
-          </a:extLst>
-        </p:spPr>
-        <p:txBody>
-          <a:bodyPr>
-            <a:spAutoFit/>
-          </a:bodyPr>
-          <a:lstStyle/>
-          <a:p>
-            <a:pPr algn="ctr"/>
-            <a:r>
-              <a:rPr lang="zh-CN" altLang="en-US" sz="3600" b="1" dirty="0" smtClean="0">
-                <a:solidFill>
-                  <a:schemeClr val="accent1"/>
-                </a:solidFill>
-                <a:latin typeface="微软雅黑" panose="020B0503020204020204" pitchFamily="34" charset="-122"/>
-                <a:ea typeface="微软雅黑" panose="020B0503020204020204" pitchFamily="34" charset="-122"/>
-              </a:rPr>
-              <a:t>实验与分析</a:t>
-            </a:r>
-            <a:endParaRPr lang="zh-CN" altLang="en-US" sz="3600" dirty="0"/>
-          </a:p>
-        </p:txBody>
-      </p:sp>
-      <p:grpSp>
-        <p:nvGrpSpPr>
-          <p:cNvPr id="9222" name="组合 19"/>
-          <p:cNvGrpSpPr>
-            <a:grpSpLocks/>
-          </p:cNvGrpSpPr>
-          <p:nvPr/>
-        </p:nvGrpSpPr>
-        <p:grpSpPr bwMode="auto">
-          <a:xfrm>
-            <a:off x="1220788" y="6519863"/>
-            <a:ext cx="8024812" cy="352425"/>
-            <a:chOff x="0" y="0"/>
-            <a:chExt cx="8024939" cy="352860"/>
-          </a:xfrm>
-        </p:grpSpPr>
-        <p:sp>
-          <p:nvSpPr>
-            <p:cNvPr id="10246" name="矩形 21"/>
-            <p:cNvSpPr>
-              <a:spLocks noChangeArrowheads="1"/>
-            </p:cNvSpPr>
-            <p:nvPr/>
-          </p:nvSpPr>
-          <p:spPr bwMode="auto">
-            <a:xfrm>
-              <a:off x="7489625" y="0"/>
-              <a:ext cx="432000" cy="338554"/>
-            </a:xfrm>
-            <a:prstGeom prst="rect">
-              <a:avLst/>
-            </a:prstGeom>
-            <a:solidFill>
-              <a:schemeClr val="accent1"/>
-            </a:solidFill>
-            <a:ln>
-              <a:noFill/>
-            </a:ln>
-            <a:extLst>
-              <a:ext uri="{91240B29-F687-4F45-9708-019B960494DF}">
-                <a14:hiddenLine xmlns:a14="http://schemas.microsoft.com/office/drawing/2010/main" w="9525">
-                  <a:solidFill>
-                    <a:srgbClr val="000000"/>
-                  </a:solidFill>
-                  <a:miter lim="800000"/>
-                  <a:headEnd/>
-                  <a:tailEnd/>
-                </a14:hiddenLine>
-              </a:ext>
-            </a:extLst>
-          </p:spPr>
-          <p:txBody>
-            <a:bodyPr anchor="ctr"/>
-            <a:lstStyle/>
-            <a:p>
-              <a:pPr algn="ctr"/>
-              <a:endParaRPr lang="zh-CN" altLang="en-US">
-                <a:solidFill>
-                  <a:srgbClr val="FFFFFF"/>
-                </a:solidFill>
-              </a:endParaRPr>
-            </a:p>
-          </p:txBody>
-        </p:sp>
-        <p:sp>
-          <p:nvSpPr>
-            <p:cNvPr id="10247" name="文本框 22"/>
-            <p:cNvSpPr txBox="1">
-              <a:spLocks noChangeArrowheads="1"/>
-            </p:cNvSpPr>
-            <p:nvPr/>
-          </p:nvSpPr>
-          <p:spPr bwMode="auto">
-            <a:xfrm>
-              <a:off x="7386311" y="0"/>
-              <a:ext cx="638628" cy="352860"/>
-            </a:xfrm>
-            <a:prstGeom prst="rect">
-              <a:avLst/>
-            </a:prstGeom>
-            <a:noFill/>
-            <a:ln>
-              <a:noFill/>
-            </a:ln>
-            <a:extLst>
-              <a:ext uri="{909E8E84-426E-40DD-AFC4-6F175D3DCCD1}">
-                <a14:hiddenFill xmlns:a14="http://schemas.microsoft.com/office/drawing/2010/main">
-                  <a:solidFill>
-                    <a:srgbClr val="FFFFFF"/>
-                  </a:solidFill>
-                </a14:hiddenFill>
-              </a:ext>
-              <a:ext uri="{91240B29-F687-4F45-9708-019B960494DF}">
-                <a14:hiddenLine xmlns:a14="http://schemas.microsoft.com/office/drawing/2010/main" w="9525">
-                  <a:solidFill>
-                    <a:srgbClr val="000000"/>
-                  </a:solidFill>
-                  <a:miter lim="800000"/>
-                  <a:headEnd/>
-                  <a:tailEnd/>
-                </a14:hiddenLine>
-              </a:ext>
-            </a:extLst>
-          </p:spPr>
-          <p:txBody>
-            <a:bodyPr>
-              <a:spAutoFit/>
-            </a:bodyPr>
-            <a:lstStyle/>
-            <a:p>
-              <a:pPr algn="ctr"/>
-              <a:r>
-                <a:rPr lang="en-US" sz="1600">
-                  <a:solidFill>
-                    <a:schemeClr val="bg1"/>
-                  </a:solidFill>
-                  <a:latin typeface="微软雅黑" panose="020B0503020204020204" pitchFamily="34" charset="-122"/>
-                  <a:ea typeface="微软雅黑" panose="020B0503020204020204" pitchFamily="34" charset="-122"/>
-                </a:rPr>
-                <a:t>0</a:t>
-              </a:r>
-              <a:r>
-                <a:rPr lang="en-US" altLang="zh-CN" sz="1600">
-                  <a:solidFill>
-                    <a:schemeClr val="bg1"/>
-                  </a:solidFill>
-                  <a:latin typeface="微软雅黑" panose="020B0503020204020204" pitchFamily="34" charset="-122"/>
-                  <a:ea typeface="微软雅黑" panose="020B0503020204020204" pitchFamily="34" charset="-122"/>
-                </a:rPr>
-                <a:t>3</a:t>
-              </a:r>
-            </a:p>
-          </p:txBody>
-        </p:sp>
-        <p:sp>
-          <p:nvSpPr>
-            <p:cNvPr id="10248" name="文本框 23"/>
-            <p:cNvSpPr txBox="1">
-              <a:spLocks noChangeArrowheads="1"/>
-            </p:cNvSpPr>
-            <p:nvPr/>
-          </p:nvSpPr>
-          <p:spPr bwMode="auto">
-            <a:xfrm>
-              <a:off x="0" y="0"/>
-              <a:ext cx="7489625" cy="338554"/>
-            </a:xfrm>
-            <a:prstGeom prst="rect">
-              <a:avLst/>
-            </a:prstGeom>
-            <a:noFill/>
-            <a:ln>
-              <a:noFill/>
-            </a:ln>
-            <a:extLst>
-              <a:ext uri="{909E8E84-426E-40DD-AFC4-6F175D3DCCD1}">
-                <a14:hiddenFill xmlns:a14="http://schemas.microsoft.com/office/drawing/2010/main">
-                  <a:solidFill>
-                    <a:srgbClr val="FFFFFF"/>
-                  </a:solidFill>
-                </a14:hiddenFill>
-              </a:ext>
-              <a:ext uri="{91240B29-F687-4F45-9708-019B960494DF}">
-                <a14:hiddenLine xmlns:a14="http://schemas.microsoft.com/office/drawing/2010/main" w="9525">
-                  <a:solidFill>
-                    <a:srgbClr val="000000"/>
-                  </a:solidFill>
-                  <a:miter lim="800000"/>
-                  <a:headEnd/>
-                  <a:tailEnd/>
-                </a14:hiddenLine>
-              </a:ext>
-            </a:extLst>
-          </p:spPr>
-          <p:txBody>
-            <a:bodyPr>
-              <a:spAutoFit/>
-            </a:bodyPr>
-            <a:lstStyle/>
-            <a:p>
-              <a:pPr algn="r"/>
-              <a:endParaRPr lang="zh-CN" altLang="en-US" sz="1600">
-                <a:solidFill>
-                  <a:srgbClr val="262626"/>
-                </a:solidFill>
-                <a:latin typeface="微软雅黑" panose="020B0503020204020204" pitchFamily="34" charset="-122"/>
-                <a:ea typeface="微软雅黑" panose="020B0503020204020204" pitchFamily="34" charset="-122"/>
-              </a:endParaRPr>
-            </a:p>
-          </p:txBody>
-        </p:sp>
-      </p:grpSp>
-      <p:pic>
-        <p:nvPicPr>
           <p:cNvPr id="3" name="图片 2"/>
           <p:cNvPicPr>
             <a:picLocks noChangeAspect="1"/>
@@ -39673,7 +39166,7 @@
 </p:sld>
 </file>
 
-<file path=ppt/slides/slide32.xml><?xml version="1.0" encoding="utf-8"?>
+<file path=ppt/slides/slide31.xml><?xml version="1.0" encoding="utf-8"?>
 <p:sld xmlns:a="http://schemas.openxmlformats.org/drawingml/2006/main" xmlns:r="http://schemas.openxmlformats.org/officeDocument/2006/relationships" xmlns:p="http://schemas.openxmlformats.org/presentationml/2006/main">
   <p:cSld>
     <p:spTree>
@@ -40175,7 +39668,7 @@
 </p:sld>
 </file>
 
-<file path=ppt/slides/slide33.xml><?xml version="1.0" encoding="utf-8"?>
+<file path=ppt/slides/slide32.xml><?xml version="1.0" encoding="utf-8"?>
 <p:sld xmlns:a="http://schemas.openxmlformats.org/drawingml/2006/main" xmlns:r="http://schemas.openxmlformats.org/officeDocument/2006/relationships" xmlns:p="http://schemas.openxmlformats.org/presentationml/2006/main">
   <p:cSld>
     <p:spTree>
@@ -40602,7 +40095,7 @@
 </p:sld>
 </file>
 
-<file path=ppt/slides/slide34.xml><?xml version="1.0" encoding="utf-8"?>
+<file path=ppt/slides/slide33.xml><?xml version="1.0" encoding="utf-8"?>
 <p:sld xmlns:a="http://schemas.openxmlformats.org/drawingml/2006/main" xmlns:r="http://schemas.openxmlformats.org/officeDocument/2006/relationships" xmlns:p="http://schemas.openxmlformats.org/presentationml/2006/main">
   <p:cSld>
     <p:spTree>
@@ -41029,7 +40522,7 @@
 </p:sld>
 </file>
 
-<file path=ppt/slides/slide35.xml><?xml version="1.0" encoding="utf-8"?>
+<file path=ppt/slides/slide34.xml><?xml version="1.0" encoding="utf-8"?>
 <p:sld xmlns:a="http://schemas.openxmlformats.org/drawingml/2006/main" xmlns:r="http://schemas.openxmlformats.org/officeDocument/2006/relationships" xmlns:p="http://schemas.openxmlformats.org/presentationml/2006/main">
   <p:cSld>
     <p:spTree>
@@ -41456,7 +40949,7 @@
 </p:sld>
 </file>
 
-<file path=ppt/slides/slide36.xml><?xml version="1.0" encoding="utf-8"?>
+<file path=ppt/slides/slide35.xml><?xml version="1.0" encoding="utf-8"?>
 <p:sld xmlns:a="http://schemas.openxmlformats.org/drawingml/2006/main" xmlns:r="http://schemas.openxmlformats.org/officeDocument/2006/relationships" xmlns:p="http://schemas.openxmlformats.org/presentationml/2006/main">
   <p:cSld>
     <p:spTree>
@@ -41958,7 +41451,7 @@
 </p:sld>
 </file>
 
-<file path=ppt/slides/slide37.xml><?xml version="1.0" encoding="utf-8"?>
+<file path=ppt/slides/slide36.xml><?xml version="1.0" encoding="utf-8"?>
 <p:sld xmlns:a="http://schemas.openxmlformats.org/drawingml/2006/main" xmlns:r="http://schemas.openxmlformats.org/officeDocument/2006/relationships" xmlns:p="http://schemas.openxmlformats.org/presentationml/2006/main">
   <p:cSld>
     <p:spTree>
@@ -42385,7 +41878,7 @@
 </p:sld>
 </file>
 
-<file path=ppt/slides/slide38.xml><?xml version="1.0" encoding="utf-8"?>
+<file path=ppt/slides/slide37.xml><?xml version="1.0" encoding="utf-8"?>
 <p:sld xmlns:a="http://schemas.openxmlformats.org/drawingml/2006/main" xmlns:r="http://schemas.openxmlformats.org/officeDocument/2006/relationships" xmlns:p="http://schemas.openxmlformats.org/presentationml/2006/main">
   <p:cSld>
     <p:spTree>
@@ -42812,7 +42305,7 @@
 </p:sld>
 </file>
 
-<file path=ppt/slides/slide39.xml><?xml version="1.0" encoding="utf-8"?>
+<file path=ppt/slides/slide38.xml><?xml version="1.0" encoding="utf-8"?>
 <p:sld xmlns:a="http://schemas.openxmlformats.org/drawingml/2006/main" xmlns:r="http://schemas.openxmlformats.org/officeDocument/2006/relationships" xmlns:p="http://schemas.openxmlformats.org/presentationml/2006/main">
   <p:cSld>
     <p:spTree>
@@ -43314,842 +42807,7 @@
 </p:sld>
 </file>
 
-<file path=ppt/slides/slide4.xml><?xml version="1.0" encoding="utf-8"?>
-<p:sld xmlns:a="http://schemas.openxmlformats.org/drawingml/2006/main" xmlns:r="http://schemas.openxmlformats.org/officeDocument/2006/relationships" xmlns:p="http://schemas.openxmlformats.org/presentationml/2006/main">
-  <p:cSld>
-    <p:spTree>
-      <p:nvGrpSpPr>
-        <p:cNvPr id="1" name=""/>
-        <p:cNvGrpSpPr/>
-        <p:nvPr/>
-      </p:nvGrpSpPr>
-      <p:grpSpPr>
-        <a:xfrm>
-          <a:off x="0" y="0"/>
-          <a:ext cx="0" cy="0"/>
-          <a:chOff x="0" y="0"/>
-          <a:chExt cx="0" cy="0"/>
-        </a:xfrm>
-      </p:grpSpPr>
-      <p:grpSp>
-        <p:nvGrpSpPr>
-          <p:cNvPr id="9218" name="组合 18"/>
-          <p:cNvGrpSpPr>
-            <a:grpSpLocks noChangeAspect="1"/>
-          </p:cNvGrpSpPr>
-          <p:nvPr/>
-        </p:nvGrpSpPr>
-        <p:grpSpPr bwMode="auto">
-          <a:xfrm>
-            <a:off x="611188" y="261938"/>
-            <a:ext cx="666750" cy="663575"/>
-            <a:chOff x="0" y="0"/>
-            <a:chExt cx="666069" cy="664458"/>
-          </a:xfrm>
-        </p:grpSpPr>
-        <p:sp>
-          <p:nvSpPr>
-            <p:cNvPr id="10242" name="矩形 8"/>
-            <p:cNvSpPr>
-              <a:spLocks noChangeAspect="1" noChangeArrowheads="1"/>
-            </p:cNvSpPr>
-            <p:nvPr/>
-          </p:nvSpPr>
-          <p:spPr bwMode="auto">
-            <a:xfrm>
-              <a:off x="0" y="0"/>
-              <a:ext cx="538925" cy="537622"/>
-            </a:xfrm>
-            <a:prstGeom prst="rect">
-              <a:avLst/>
-            </a:prstGeom>
-            <a:solidFill>
-              <a:srgbClr val="005490"/>
-            </a:solidFill>
-            <a:ln>
-              <a:noFill/>
-            </a:ln>
-            <a:extLst>
-              <a:ext uri="{91240B29-F687-4F45-9708-019B960494DF}">
-                <a14:hiddenLine xmlns:a14="http://schemas.microsoft.com/office/drawing/2010/main" w="9525">
-                  <a:solidFill>
-                    <a:srgbClr val="000000"/>
-                  </a:solidFill>
-                  <a:miter lim="800000"/>
-                  <a:headEnd/>
-                  <a:tailEnd/>
-                </a14:hiddenLine>
-              </a:ext>
-            </a:extLst>
-          </p:spPr>
-          <p:txBody>
-            <a:bodyPr anchor="ctr"/>
-            <a:lstStyle/>
-            <a:p>
-              <a:pPr algn="ctr"/>
-              <a:endParaRPr lang="zh-CN" altLang="en-US">
-                <a:solidFill>
-                  <a:srgbClr val="FFFFFF"/>
-                </a:solidFill>
-              </a:endParaRPr>
-            </a:p>
-          </p:txBody>
-        </p:sp>
-        <p:sp>
-          <p:nvSpPr>
-            <p:cNvPr id="10243" name="矩形 16"/>
-            <p:cNvSpPr>
-              <a:spLocks noChangeAspect="1" noChangeArrowheads="1"/>
-            </p:cNvSpPr>
-            <p:nvPr/>
-          </p:nvSpPr>
-          <p:spPr bwMode="auto">
-            <a:xfrm>
-              <a:off x="269463" y="268811"/>
-              <a:ext cx="396606" cy="395647"/>
-            </a:xfrm>
-            <a:prstGeom prst="rect">
-              <a:avLst/>
-            </a:prstGeom>
-            <a:solidFill>
-              <a:schemeClr val="accent1"/>
-            </a:solidFill>
-            <a:ln>
-              <a:noFill/>
-            </a:ln>
-            <a:extLst>
-              <a:ext uri="{91240B29-F687-4F45-9708-019B960494DF}">
-                <a14:hiddenLine xmlns:a14="http://schemas.microsoft.com/office/drawing/2010/main" w="9525">
-                  <a:solidFill>
-                    <a:srgbClr val="000000"/>
-                  </a:solidFill>
-                  <a:miter lim="800000"/>
-                  <a:headEnd/>
-                  <a:tailEnd/>
-                </a14:hiddenLine>
-              </a:ext>
-            </a:extLst>
-          </p:spPr>
-          <p:txBody>
-            <a:bodyPr anchor="ctr"/>
-            <a:lstStyle/>
-            <a:p>
-              <a:pPr algn="ctr"/>
-              <a:endParaRPr lang="zh-CN" altLang="en-US">
-                <a:solidFill>
-                  <a:srgbClr val="FFFFFF"/>
-                </a:solidFill>
-              </a:endParaRPr>
-            </a:p>
-          </p:txBody>
-        </p:sp>
-      </p:grpSp>
-      <p:sp>
-        <p:nvSpPr>
-          <p:cNvPr id="9221" name="文本框 17"/>
-          <p:cNvSpPr txBox="1">
-            <a:spLocks noChangeArrowheads="1"/>
-          </p:cNvSpPr>
-          <p:nvPr/>
-        </p:nvSpPr>
-        <p:spPr bwMode="auto">
-          <a:xfrm>
-            <a:off x="1419225" y="274638"/>
-            <a:ext cx="7113588" cy="646331"/>
-          </a:xfrm>
-          <a:prstGeom prst="rect">
-            <a:avLst/>
-          </a:prstGeom>
-          <a:noFill/>
-          <a:ln>
-            <a:noFill/>
-          </a:ln>
-          <a:extLst>
-            <a:ext uri="{909E8E84-426E-40DD-AFC4-6F175D3DCCD1}">
-              <a14:hiddenFill xmlns:a14="http://schemas.microsoft.com/office/drawing/2010/main">
-                <a:solidFill>
-                  <a:srgbClr val="FFFFFF"/>
-                </a:solidFill>
-              </a14:hiddenFill>
-            </a:ext>
-            <a:ext uri="{91240B29-F687-4F45-9708-019B960494DF}">
-              <a14:hiddenLine xmlns:a14="http://schemas.microsoft.com/office/drawing/2010/main" w="9525">
-                <a:solidFill>
-                  <a:srgbClr val="000000"/>
-                </a:solidFill>
-                <a:miter lim="800000"/>
-                <a:headEnd/>
-                <a:tailEnd/>
-              </a14:hiddenLine>
-            </a:ext>
-          </a:extLst>
-        </p:spPr>
-        <p:txBody>
-          <a:bodyPr>
-            <a:spAutoFit/>
-          </a:bodyPr>
-          <a:lstStyle/>
-          <a:p>
-            <a:pPr algn="ctr"/>
-            <a:r>
-              <a:rPr lang="zh-CN" altLang="en-US" sz="3600" b="1" dirty="0" smtClean="0">
-                <a:solidFill>
-                  <a:schemeClr val="accent1"/>
-                </a:solidFill>
-                <a:latin typeface="微软雅黑" panose="020B0503020204020204" pitchFamily="34" charset="-122"/>
-                <a:ea typeface="微软雅黑" panose="020B0503020204020204" pitchFamily="34" charset="-122"/>
-              </a:rPr>
-              <a:t>引     言</a:t>
-            </a:r>
-            <a:endParaRPr lang="zh-CN" altLang="en-US" sz="3600" dirty="0"/>
-          </a:p>
-        </p:txBody>
-      </p:sp>
-      <p:grpSp>
-        <p:nvGrpSpPr>
-          <p:cNvPr id="9222" name="组合 19"/>
-          <p:cNvGrpSpPr>
-            <a:grpSpLocks/>
-          </p:cNvGrpSpPr>
-          <p:nvPr/>
-        </p:nvGrpSpPr>
-        <p:grpSpPr bwMode="auto">
-          <a:xfrm>
-            <a:off x="1220788" y="6519863"/>
-            <a:ext cx="8024812" cy="352425"/>
-            <a:chOff x="0" y="0"/>
-            <a:chExt cx="8024939" cy="352860"/>
-          </a:xfrm>
-        </p:grpSpPr>
-        <p:sp>
-          <p:nvSpPr>
-            <p:cNvPr id="10246" name="矩形 21"/>
-            <p:cNvSpPr>
-              <a:spLocks noChangeArrowheads="1"/>
-            </p:cNvSpPr>
-            <p:nvPr/>
-          </p:nvSpPr>
-          <p:spPr bwMode="auto">
-            <a:xfrm>
-              <a:off x="7489625" y="0"/>
-              <a:ext cx="432000" cy="338554"/>
-            </a:xfrm>
-            <a:prstGeom prst="rect">
-              <a:avLst/>
-            </a:prstGeom>
-            <a:solidFill>
-              <a:schemeClr val="accent1"/>
-            </a:solidFill>
-            <a:ln>
-              <a:noFill/>
-            </a:ln>
-            <a:extLst>
-              <a:ext uri="{91240B29-F687-4F45-9708-019B960494DF}">
-                <a14:hiddenLine xmlns:a14="http://schemas.microsoft.com/office/drawing/2010/main" w="9525">
-                  <a:solidFill>
-                    <a:srgbClr val="000000"/>
-                  </a:solidFill>
-                  <a:miter lim="800000"/>
-                  <a:headEnd/>
-                  <a:tailEnd/>
-                </a14:hiddenLine>
-              </a:ext>
-            </a:extLst>
-          </p:spPr>
-          <p:txBody>
-            <a:bodyPr anchor="ctr"/>
-            <a:lstStyle/>
-            <a:p>
-              <a:pPr algn="ctr"/>
-              <a:endParaRPr lang="zh-CN" altLang="en-US">
-                <a:solidFill>
-                  <a:srgbClr val="FFFFFF"/>
-                </a:solidFill>
-              </a:endParaRPr>
-            </a:p>
-          </p:txBody>
-        </p:sp>
-        <p:sp>
-          <p:nvSpPr>
-            <p:cNvPr id="10247" name="文本框 22"/>
-            <p:cNvSpPr txBox="1">
-              <a:spLocks noChangeArrowheads="1"/>
-            </p:cNvSpPr>
-            <p:nvPr/>
-          </p:nvSpPr>
-          <p:spPr bwMode="auto">
-            <a:xfrm>
-              <a:off x="7386311" y="0"/>
-              <a:ext cx="638628" cy="352860"/>
-            </a:xfrm>
-            <a:prstGeom prst="rect">
-              <a:avLst/>
-            </a:prstGeom>
-            <a:noFill/>
-            <a:ln>
-              <a:noFill/>
-            </a:ln>
-            <a:extLst>
-              <a:ext uri="{909E8E84-426E-40DD-AFC4-6F175D3DCCD1}">
-                <a14:hiddenFill xmlns:a14="http://schemas.microsoft.com/office/drawing/2010/main">
-                  <a:solidFill>
-                    <a:srgbClr val="FFFFFF"/>
-                  </a:solidFill>
-                </a14:hiddenFill>
-              </a:ext>
-              <a:ext uri="{91240B29-F687-4F45-9708-019B960494DF}">
-                <a14:hiddenLine xmlns:a14="http://schemas.microsoft.com/office/drawing/2010/main" w="9525">
-                  <a:solidFill>
-                    <a:srgbClr val="000000"/>
-                  </a:solidFill>
-                  <a:miter lim="800000"/>
-                  <a:headEnd/>
-                  <a:tailEnd/>
-                </a14:hiddenLine>
-              </a:ext>
-            </a:extLst>
-          </p:spPr>
-          <p:txBody>
-            <a:bodyPr>
-              <a:spAutoFit/>
-            </a:bodyPr>
-            <a:lstStyle/>
-            <a:p>
-              <a:pPr algn="ctr"/>
-              <a:r>
-                <a:rPr lang="en-US" sz="1600">
-                  <a:solidFill>
-                    <a:schemeClr val="bg1"/>
-                  </a:solidFill>
-                  <a:latin typeface="微软雅黑" panose="020B0503020204020204" pitchFamily="34" charset="-122"/>
-                  <a:ea typeface="微软雅黑" panose="020B0503020204020204" pitchFamily="34" charset="-122"/>
-                </a:rPr>
-                <a:t>0</a:t>
-              </a:r>
-              <a:r>
-                <a:rPr lang="en-US" altLang="zh-CN" sz="1600">
-                  <a:solidFill>
-                    <a:schemeClr val="bg1"/>
-                  </a:solidFill>
-                  <a:latin typeface="微软雅黑" panose="020B0503020204020204" pitchFamily="34" charset="-122"/>
-                  <a:ea typeface="微软雅黑" panose="020B0503020204020204" pitchFamily="34" charset="-122"/>
-                </a:rPr>
-                <a:t>3</a:t>
-              </a:r>
-            </a:p>
-          </p:txBody>
-        </p:sp>
-        <p:sp>
-          <p:nvSpPr>
-            <p:cNvPr id="10248" name="文本框 23"/>
-            <p:cNvSpPr txBox="1">
-              <a:spLocks noChangeArrowheads="1"/>
-            </p:cNvSpPr>
-            <p:nvPr/>
-          </p:nvSpPr>
-          <p:spPr bwMode="auto">
-            <a:xfrm>
-              <a:off x="0" y="0"/>
-              <a:ext cx="7489625" cy="338554"/>
-            </a:xfrm>
-            <a:prstGeom prst="rect">
-              <a:avLst/>
-            </a:prstGeom>
-            <a:noFill/>
-            <a:ln>
-              <a:noFill/>
-            </a:ln>
-            <a:extLst>
-              <a:ext uri="{909E8E84-426E-40DD-AFC4-6F175D3DCCD1}">
-                <a14:hiddenFill xmlns:a14="http://schemas.microsoft.com/office/drawing/2010/main">
-                  <a:solidFill>
-                    <a:srgbClr val="FFFFFF"/>
-                  </a:solidFill>
-                </a14:hiddenFill>
-              </a:ext>
-              <a:ext uri="{91240B29-F687-4F45-9708-019B960494DF}">
-                <a14:hiddenLine xmlns:a14="http://schemas.microsoft.com/office/drawing/2010/main" w="9525">
-                  <a:solidFill>
-                    <a:srgbClr val="000000"/>
-                  </a:solidFill>
-                  <a:miter lim="800000"/>
-                  <a:headEnd/>
-                  <a:tailEnd/>
-                </a14:hiddenLine>
-              </a:ext>
-            </a:extLst>
-          </p:spPr>
-          <p:txBody>
-            <a:bodyPr>
-              <a:spAutoFit/>
-            </a:bodyPr>
-            <a:lstStyle/>
-            <a:p>
-              <a:pPr algn="r"/>
-              <a:endParaRPr lang="zh-CN" altLang="en-US" sz="1600">
-                <a:solidFill>
-                  <a:srgbClr val="262626"/>
-                </a:solidFill>
-                <a:latin typeface="微软雅黑" panose="020B0503020204020204" pitchFamily="34" charset="-122"/>
-                <a:ea typeface="微软雅黑" panose="020B0503020204020204" pitchFamily="34" charset="-122"/>
-              </a:endParaRPr>
-            </a:p>
-          </p:txBody>
-        </p:sp>
-      </p:grpSp>
-      <p:sp>
-        <p:nvSpPr>
-          <p:cNvPr id="9227" name="文本框 9226"/>
-          <p:cNvSpPr txBox="1"/>
-          <p:nvPr/>
-        </p:nvSpPr>
-        <p:spPr>
-          <a:xfrm>
-            <a:off x="790575" y="1239838"/>
-            <a:ext cx="7600950" cy="5262979"/>
-          </a:xfrm>
-          <a:prstGeom prst="rect">
-            <a:avLst/>
-          </a:prstGeom>
-          <a:noFill/>
-          <a:ln w="9525">
-            <a:noFill/>
-          </a:ln>
-        </p:spPr>
-        <p:txBody>
-          <a:bodyPr>
-            <a:spAutoFit/>
-          </a:bodyPr>
-          <a:lstStyle/>
-          <a:p>
-            <a:pPr eaLnBrk="0" hangingPunct="0">
-              <a:lnSpc>
-                <a:spcPct val="120000"/>
-              </a:lnSpc>
-            </a:pPr>
-            <a:r>
-              <a:rPr lang="zh-CN" altLang="en-US" sz="2800" noProof="1" smtClean="0">
-                <a:effectLst>
-                  <a:outerShdw blurRad="38100" dist="19050" dir="2700000" algn="tl" rotWithShape="0">
-                    <a:schemeClr val="dk1">
-                      <a:alpha val="40000"/>
-                    </a:schemeClr>
-                  </a:outerShdw>
-                </a:effectLst>
-                <a:latin typeface="Calibri" pitchFamily="2" charset="0"/>
-                <a:ea typeface="宋体" charset="-122"/>
-                <a:cs typeface="+mn-ea"/>
-              </a:rPr>
-              <a:t>行人检测：从图像或视频中框出</a:t>
-            </a:r>
-            <a:r>
-              <a:rPr lang="zh-CN" altLang="en-US" sz="2800" noProof="1" smtClean="0">
-                <a:solidFill>
-                  <a:srgbClr val="0070C0"/>
-                </a:solidFill>
-                <a:effectLst>
-                  <a:outerShdw blurRad="38100" dist="19050" dir="2700000" algn="tl" rotWithShape="0">
-                    <a:schemeClr val="dk1">
-                      <a:alpha val="40000"/>
-                    </a:schemeClr>
-                  </a:outerShdw>
-                </a:effectLst>
-                <a:latin typeface="Calibri" pitchFamily="2" charset="0"/>
-                <a:ea typeface="宋体" charset="-122"/>
-                <a:cs typeface="+mn-ea"/>
-              </a:rPr>
-              <a:t>行人</a:t>
-            </a:r>
-            <a:r>
-              <a:rPr lang="zh-CN" altLang="en-US" sz="2800" noProof="1" smtClean="0">
-                <a:effectLst>
-                  <a:outerShdw blurRad="38100" dist="19050" dir="2700000" algn="tl" rotWithShape="0">
-                    <a:schemeClr val="dk1">
-                      <a:alpha val="40000"/>
-                    </a:schemeClr>
-                  </a:outerShdw>
-                </a:effectLst>
-                <a:latin typeface="Calibri" pitchFamily="2" charset="0"/>
-                <a:ea typeface="宋体" charset="-122"/>
-                <a:cs typeface="+mn-ea"/>
-              </a:rPr>
-              <a:t>所在位置</a:t>
-            </a:r>
-            <a:endParaRPr lang="en-US" altLang="zh-CN" sz="2800" noProof="1" smtClean="0">
-              <a:effectLst>
-                <a:outerShdw blurRad="38100" dist="19050" dir="2700000" algn="tl" rotWithShape="0">
-                  <a:schemeClr val="dk1">
-                    <a:alpha val="40000"/>
-                  </a:schemeClr>
-                </a:outerShdw>
-              </a:effectLst>
-              <a:latin typeface="Calibri" pitchFamily="2" charset="0"/>
-              <a:ea typeface="宋体" charset="-122"/>
-              <a:cs typeface="+mn-ea"/>
-            </a:endParaRPr>
-          </a:p>
-          <a:p>
-            <a:pPr eaLnBrk="0" hangingPunct="0">
-              <a:lnSpc>
-                <a:spcPct val="120000"/>
-              </a:lnSpc>
-            </a:pPr>
-            <a:r>
-              <a:rPr lang="zh-CN" altLang="en-US" sz="2800" noProof="1" smtClean="0">
-                <a:effectLst>
-                  <a:outerShdw blurRad="38100" dist="19050" dir="2700000" algn="tl" rotWithShape="0">
-                    <a:schemeClr val="dk1">
-                      <a:alpha val="40000"/>
-                    </a:schemeClr>
-                  </a:outerShdw>
-                </a:effectLst>
-                <a:latin typeface="Calibri" pitchFamily="2" charset="0"/>
-                <a:ea typeface="宋体" charset="-122"/>
-                <a:cs typeface="+mn-ea"/>
-              </a:rPr>
-              <a:t>目标检测：从图像或视频中框出</a:t>
-            </a:r>
-            <a:r>
-              <a:rPr lang="zh-CN" altLang="en-US" sz="2800" noProof="1" smtClean="0">
-                <a:solidFill>
-                  <a:srgbClr val="0070C0"/>
-                </a:solidFill>
-                <a:effectLst>
-                  <a:outerShdw blurRad="38100" dist="19050" dir="2700000" algn="tl" rotWithShape="0">
-                    <a:schemeClr val="dk1">
-                      <a:alpha val="40000"/>
-                    </a:schemeClr>
-                  </a:outerShdw>
-                </a:effectLst>
-                <a:latin typeface="Calibri" pitchFamily="2" charset="0"/>
-                <a:ea typeface="宋体" charset="-122"/>
-                <a:cs typeface="+mn-ea"/>
-              </a:rPr>
-              <a:t>目标</a:t>
-            </a:r>
-            <a:r>
-              <a:rPr lang="zh-CN" altLang="en-US" sz="2800" noProof="1" smtClean="0">
-                <a:effectLst>
-                  <a:outerShdw blurRad="38100" dist="19050" dir="2700000" algn="tl" rotWithShape="0">
-                    <a:schemeClr val="dk1">
-                      <a:alpha val="40000"/>
-                    </a:schemeClr>
-                  </a:outerShdw>
-                </a:effectLst>
-                <a:latin typeface="Calibri" pitchFamily="2" charset="0"/>
-                <a:ea typeface="宋体" charset="-122"/>
-                <a:cs typeface="+mn-ea"/>
-              </a:rPr>
-              <a:t>所在位置</a:t>
-            </a:r>
-            <a:r>
-              <a:rPr lang="en-US" altLang="zh-CN" sz="2800" noProof="1" smtClean="0">
-                <a:effectLst>
-                  <a:outerShdw blurRad="38100" dist="19050" dir="2700000" algn="tl" rotWithShape="0">
-                    <a:schemeClr val="dk1">
-                      <a:alpha val="40000"/>
-                    </a:schemeClr>
-                  </a:outerShdw>
-                </a:effectLst>
-                <a:latin typeface="Calibri" pitchFamily="2" charset="0"/>
-                <a:ea typeface="宋体" charset="-122"/>
-                <a:cs typeface="+mn-ea"/>
-              </a:rPr>
-              <a:t>			</a:t>
-            </a:r>
-            <a:r>
-              <a:rPr lang="zh-CN" altLang="en-US" sz="2800" noProof="1" smtClean="0">
-                <a:effectLst>
-                  <a:outerShdw blurRad="38100" dist="19050" dir="2700000" algn="tl" rotWithShape="0">
-                    <a:schemeClr val="dk1">
-                      <a:alpha val="40000"/>
-                    </a:schemeClr>
-                  </a:outerShdw>
-                </a:effectLst>
-                <a:latin typeface="Calibri" pitchFamily="2" charset="0"/>
-                <a:ea typeface="宋体" charset="-122"/>
-                <a:cs typeface="+mn-ea"/>
-              </a:rPr>
-              <a:t>（目标可以是多个类别）</a:t>
-            </a:r>
-            <a:endParaRPr lang="en-US" altLang="zh-CN" sz="2800" noProof="1" smtClean="0">
-              <a:effectLst>
-                <a:outerShdw blurRad="38100" dist="19050" dir="2700000" algn="tl" rotWithShape="0">
-                  <a:schemeClr val="dk1">
-                    <a:alpha val="40000"/>
-                  </a:schemeClr>
-                </a:outerShdw>
-              </a:effectLst>
-              <a:latin typeface="Calibri" pitchFamily="2" charset="0"/>
-              <a:ea typeface="宋体" charset="-122"/>
-              <a:cs typeface="+mn-ea"/>
-            </a:endParaRPr>
-          </a:p>
-          <a:p>
-            <a:pPr eaLnBrk="0" hangingPunct="0">
-              <a:lnSpc>
-                <a:spcPct val="120000"/>
-              </a:lnSpc>
-            </a:pPr>
-            <a:endParaRPr lang="en-US" altLang="zh-CN" sz="2800" noProof="1">
-              <a:effectLst>
-                <a:outerShdw blurRad="38100" dist="19050" dir="2700000" algn="tl" rotWithShape="0">
-                  <a:schemeClr val="dk1">
-                    <a:alpha val="40000"/>
-                  </a:schemeClr>
-                </a:outerShdw>
-              </a:effectLst>
-              <a:latin typeface="Calibri" pitchFamily="2" charset="0"/>
-              <a:ea typeface="宋体" charset="-122"/>
-              <a:cs typeface="+mn-ea"/>
-            </a:endParaRPr>
-          </a:p>
-          <a:p>
-            <a:pPr eaLnBrk="0" hangingPunct="0">
-              <a:lnSpc>
-                <a:spcPct val="120000"/>
-              </a:lnSpc>
-            </a:pPr>
-            <a:endParaRPr lang="en-US" altLang="zh-CN" sz="2800" noProof="1" smtClean="0">
-              <a:effectLst>
-                <a:outerShdw blurRad="38100" dist="19050" dir="2700000" algn="tl" rotWithShape="0">
-                  <a:schemeClr val="dk1">
-                    <a:alpha val="40000"/>
-                  </a:schemeClr>
-                </a:outerShdw>
-              </a:effectLst>
-              <a:latin typeface="Calibri" pitchFamily="2" charset="0"/>
-              <a:ea typeface="宋体" charset="-122"/>
-              <a:cs typeface="+mn-ea"/>
-            </a:endParaRPr>
-          </a:p>
-          <a:p>
-            <a:pPr eaLnBrk="0" hangingPunct="0">
-              <a:lnSpc>
-                <a:spcPct val="120000"/>
-              </a:lnSpc>
-            </a:pPr>
-            <a:endParaRPr lang="en-US" altLang="zh-CN" sz="2800" noProof="1">
-              <a:effectLst>
-                <a:outerShdw blurRad="38100" dist="19050" dir="2700000" algn="tl" rotWithShape="0">
-                  <a:schemeClr val="dk1">
-                    <a:alpha val="40000"/>
-                  </a:schemeClr>
-                </a:outerShdw>
-              </a:effectLst>
-              <a:latin typeface="Calibri" pitchFamily="2" charset="0"/>
-              <a:ea typeface="宋体" charset="-122"/>
-              <a:cs typeface="+mn-ea"/>
-            </a:endParaRPr>
-          </a:p>
-          <a:p>
-            <a:pPr eaLnBrk="0" hangingPunct="0">
-              <a:lnSpc>
-                <a:spcPct val="120000"/>
-              </a:lnSpc>
-            </a:pPr>
-            <a:endParaRPr lang="en-US" altLang="zh-CN" sz="2800" noProof="1" smtClean="0">
-              <a:effectLst>
-                <a:outerShdw blurRad="38100" dist="19050" dir="2700000" algn="tl" rotWithShape="0">
-                  <a:schemeClr val="dk1">
-                    <a:alpha val="40000"/>
-                  </a:schemeClr>
-                </a:outerShdw>
-              </a:effectLst>
-              <a:latin typeface="Calibri" pitchFamily="2" charset="0"/>
-              <a:ea typeface="宋体" charset="-122"/>
-              <a:cs typeface="+mn-ea"/>
-            </a:endParaRPr>
-          </a:p>
-          <a:p>
-            <a:pPr eaLnBrk="0" hangingPunct="0">
-              <a:lnSpc>
-                <a:spcPct val="120000"/>
-              </a:lnSpc>
-            </a:pPr>
-            <a:endParaRPr lang="en-US" altLang="zh-CN" sz="2800" noProof="1">
-              <a:effectLst>
-                <a:outerShdw blurRad="38100" dist="19050" dir="2700000" algn="tl" rotWithShape="0">
-                  <a:schemeClr val="dk1">
-                    <a:alpha val="40000"/>
-                  </a:schemeClr>
-                </a:outerShdw>
-              </a:effectLst>
-              <a:latin typeface="Calibri" pitchFamily="2" charset="0"/>
-              <a:ea typeface="宋体" charset="-122"/>
-              <a:cs typeface="+mn-ea"/>
-            </a:endParaRPr>
-          </a:p>
-          <a:p>
-            <a:pPr eaLnBrk="0" hangingPunct="0">
-              <a:lnSpc>
-                <a:spcPct val="120000"/>
-              </a:lnSpc>
-            </a:pPr>
-            <a:endParaRPr lang="en-US" altLang="zh-CN" sz="2800" noProof="1" smtClean="0">
-              <a:effectLst>
-                <a:outerShdw blurRad="38100" dist="19050" dir="2700000" algn="tl" rotWithShape="0">
-                  <a:schemeClr val="dk1">
-                    <a:alpha val="40000"/>
-                  </a:schemeClr>
-                </a:outerShdw>
-              </a:effectLst>
-              <a:latin typeface="Calibri" pitchFamily="2" charset="0"/>
-              <a:ea typeface="宋体" charset="-122"/>
-              <a:cs typeface="+mn-ea"/>
-            </a:endParaRPr>
-          </a:p>
-          <a:p>
-            <a:pPr eaLnBrk="0" hangingPunct="0">
-              <a:lnSpc>
-                <a:spcPct val="120000"/>
-              </a:lnSpc>
-            </a:pPr>
-            <a:r>
-              <a:rPr lang="en-US" altLang="zh-CN" sz="2800" noProof="1" smtClean="0">
-                <a:effectLst>
-                  <a:outerShdw blurRad="38100" dist="19050" dir="2700000" algn="tl" rotWithShape="0">
-                    <a:schemeClr val="dk1">
-                      <a:alpha val="40000"/>
-                    </a:schemeClr>
-                  </a:outerShdw>
-                </a:effectLst>
-                <a:latin typeface="Calibri" pitchFamily="2" charset="0"/>
-                <a:ea typeface="宋体" charset="-122"/>
-                <a:cs typeface="+mn-ea"/>
-              </a:rPr>
-              <a:t>	 </a:t>
-            </a:r>
-            <a:r>
-              <a:rPr lang="zh-CN" altLang="en-US" sz="2800" noProof="1" smtClean="0">
-                <a:effectLst>
-                  <a:outerShdw blurRad="38100" dist="19050" dir="2700000" algn="tl" rotWithShape="0">
-                    <a:schemeClr val="dk1">
-                      <a:alpha val="40000"/>
-                    </a:schemeClr>
-                  </a:outerShdw>
-                </a:effectLst>
-                <a:latin typeface="Calibri" pitchFamily="2" charset="0"/>
-                <a:ea typeface="宋体" charset="-122"/>
-                <a:cs typeface="+mn-ea"/>
-              </a:rPr>
-              <a:t>行人检测</a:t>
-            </a:r>
-            <a:r>
-              <a:rPr lang="en-US" altLang="zh-CN" sz="2800" noProof="1" smtClean="0">
-                <a:effectLst>
-                  <a:outerShdw blurRad="38100" dist="19050" dir="2700000" algn="tl" rotWithShape="0">
-                    <a:schemeClr val="dk1">
-                      <a:alpha val="40000"/>
-                    </a:schemeClr>
-                  </a:outerShdw>
-                </a:effectLst>
-                <a:latin typeface="Calibri" pitchFamily="2" charset="0"/>
-                <a:ea typeface="宋体" charset="-122"/>
-                <a:cs typeface="+mn-ea"/>
-              </a:rPr>
-              <a:t>			     </a:t>
-            </a:r>
-            <a:r>
-              <a:rPr lang="zh-CN" altLang="en-US" sz="2800" noProof="1" smtClean="0">
-                <a:effectLst>
-                  <a:outerShdw blurRad="38100" dist="19050" dir="2700000" algn="tl" rotWithShape="0">
-                    <a:schemeClr val="dk1">
-                      <a:alpha val="40000"/>
-                    </a:schemeClr>
-                  </a:outerShdw>
-                </a:effectLst>
-                <a:latin typeface="Calibri" pitchFamily="2" charset="0"/>
-                <a:ea typeface="宋体" charset="-122"/>
-                <a:cs typeface="+mn-ea"/>
-              </a:rPr>
-              <a:t>目标检测</a:t>
-            </a:r>
-            <a:endParaRPr lang="en-US" altLang="zh-CN" sz="2800" noProof="1">
-              <a:effectLst>
-                <a:outerShdw blurRad="38100" dist="19050" dir="2700000" algn="tl" rotWithShape="0">
-                  <a:schemeClr val="dk1">
-                    <a:alpha val="40000"/>
-                  </a:schemeClr>
-                </a:outerShdw>
-              </a:effectLst>
-              <a:latin typeface="Calibri" pitchFamily="2" charset="0"/>
-              <a:ea typeface="宋体" charset="-122"/>
-              <a:cs typeface="+mn-ea"/>
-            </a:endParaRPr>
-          </a:p>
-        </p:txBody>
-      </p:sp>
-      <p:pic>
-        <p:nvPicPr>
-          <p:cNvPr id="2" name="图片 1"/>
-          <p:cNvPicPr>
-            <a:picLocks noChangeAspect="1"/>
-          </p:cNvPicPr>
-          <p:nvPr/>
-        </p:nvPicPr>
-        <p:blipFill>
-          <a:blip r:embed="rId3"/>
-          <a:stretch>
-            <a:fillRect/>
-          </a:stretch>
-        </p:blipFill>
-        <p:spPr>
-          <a:xfrm>
-            <a:off x="5203944" y="3116346"/>
-            <a:ext cx="2666667" cy="2666667"/>
-          </a:xfrm>
-          <a:prstGeom prst="rect">
-            <a:avLst/>
-          </a:prstGeom>
-        </p:spPr>
-      </p:pic>
-      <p:pic>
-        <p:nvPicPr>
-          <p:cNvPr id="3" name="图片 2"/>
-          <p:cNvPicPr>
-            <a:picLocks noChangeAspect="1"/>
-          </p:cNvPicPr>
-          <p:nvPr/>
-        </p:nvPicPr>
-        <p:blipFill>
-          <a:blip r:embed="rId4">
-            <a:extLst>
-              <a:ext uri="{28A0092B-C50C-407E-A947-70E740481C1C}">
-                <a14:useLocalDpi xmlns:a14="http://schemas.microsoft.com/office/drawing/2010/main" val="0"/>
-              </a:ext>
-            </a:extLst>
-          </a:blip>
-          <a:stretch>
-            <a:fillRect/>
-          </a:stretch>
-        </p:blipFill>
-        <p:spPr>
-          <a:xfrm>
-            <a:off x="1220788" y="3115413"/>
-            <a:ext cx="2667600" cy="2667600"/>
-          </a:xfrm>
-          <a:prstGeom prst="rect">
-            <a:avLst/>
-          </a:prstGeom>
-        </p:spPr>
-      </p:pic>
-    </p:spTree>
-  </p:cSld>
-  <p:clrMapOvr>
-    <a:masterClrMapping/>
-  </p:clrMapOvr>
-  <p:timing>
-    <p:tnLst>
-      <p:par>
-        <p:cTn id="1" dur="indefinite" restart="never" nodeType="tmRoot"/>
-      </p:par>
-    </p:tnLst>
-  </p:timing>
-</p:sld>
-</file>
-
-<file path=ppt/slides/slide40.xml><?xml version="1.0" encoding="utf-8"?>
+<file path=ppt/slides/slide39.xml><?xml version="1.0" encoding="utf-8"?>
 <p:sld xmlns:a="http://schemas.openxmlformats.org/drawingml/2006/main" xmlns:r="http://schemas.openxmlformats.org/officeDocument/2006/relationships" xmlns:p="http://schemas.openxmlformats.org/presentationml/2006/main">
   <p:cSld>
     <p:spTree>
@@ -44576,7 +43234,842 @@
 </p:sld>
 </file>
 
-<file path=ppt/slides/slide41.xml><?xml version="1.0" encoding="utf-8"?>
+<file path=ppt/slides/slide4.xml><?xml version="1.0" encoding="utf-8"?>
+<p:sld xmlns:a="http://schemas.openxmlformats.org/drawingml/2006/main" xmlns:r="http://schemas.openxmlformats.org/officeDocument/2006/relationships" xmlns:p="http://schemas.openxmlformats.org/presentationml/2006/main">
+  <p:cSld>
+    <p:spTree>
+      <p:nvGrpSpPr>
+        <p:cNvPr id="1" name=""/>
+        <p:cNvGrpSpPr/>
+        <p:nvPr/>
+      </p:nvGrpSpPr>
+      <p:grpSpPr>
+        <a:xfrm>
+          <a:off x="0" y="0"/>
+          <a:ext cx="0" cy="0"/>
+          <a:chOff x="0" y="0"/>
+          <a:chExt cx="0" cy="0"/>
+        </a:xfrm>
+      </p:grpSpPr>
+      <p:grpSp>
+        <p:nvGrpSpPr>
+          <p:cNvPr id="9218" name="组合 18"/>
+          <p:cNvGrpSpPr>
+            <a:grpSpLocks noChangeAspect="1"/>
+          </p:cNvGrpSpPr>
+          <p:nvPr/>
+        </p:nvGrpSpPr>
+        <p:grpSpPr bwMode="auto">
+          <a:xfrm>
+            <a:off x="611188" y="261938"/>
+            <a:ext cx="666750" cy="663575"/>
+            <a:chOff x="0" y="0"/>
+            <a:chExt cx="666069" cy="664458"/>
+          </a:xfrm>
+        </p:grpSpPr>
+        <p:sp>
+          <p:nvSpPr>
+            <p:cNvPr id="10242" name="矩形 8"/>
+            <p:cNvSpPr>
+              <a:spLocks noChangeAspect="1" noChangeArrowheads="1"/>
+            </p:cNvSpPr>
+            <p:nvPr/>
+          </p:nvSpPr>
+          <p:spPr bwMode="auto">
+            <a:xfrm>
+              <a:off x="0" y="0"/>
+              <a:ext cx="538925" cy="537622"/>
+            </a:xfrm>
+            <a:prstGeom prst="rect">
+              <a:avLst/>
+            </a:prstGeom>
+            <a:solidFill>
+              <a:srgbClr val="005490"/>
+            </a:solidFill>
+            <a:ln>
+              <a:noFill/>
+            </a:ln>
+            <a:extLst>
+              <a:ext uri="{91240B29-F687-4F45-9708-019B960494DF}">
+                <a14:hiddenLine xmlns:a14="http://schemas.microsoft.com/office/drawing/2010/main" w="9525">
+                  <a:solidFill>
+                    <a:srgbClr val="000000"/>
+                  </a:solidFill>
+                  <a:miter lim="800000"/>
+                  <a:headEnd/>
+                  <a:tailEnd/>
+                </a14:hiddenLine>
+              </a:ext>
+            </a:extLst>
+          </p:spPr>
+          <p:txBody>
+            <a:bodyPr anchor="ctr"/>
+            <a:lstStyle/>
+            <a:p>
+              <a:pPr algn="ctr"/>
+              <a:endParaRPr lang="zh-CN" altLang="en-US">
+                <a:solidFill>
+                  <a:srgbClr val="FFFFFF"/>
+                </a:solidFill>
+              </a:endParaRPr>
+            </a:p>
+          </p:txBody>
+        </p:sp>
+        <p:sp>
+          <p:nvSpPr>
+            <p:cNvPr id="10243" name="矩形 16"/>
+            <p:cNvSpPr>
+              <a:spLocks noChangeAspect="1" noChangeArrowheads="1"/>
+            </p:cNvSpPr>
+            <p:nvPr/>
+          </p:nvSpPr>
+          <p:spPr bwMode="auto">
+            <a:xfrm>
+              <a:off x="269463" y="268811"/>
+              <a:ext cx="396606" cy="395647"/>
+            </a:xfrm>
+            <a:prstGeom prst="rect">
+              <a:avLst/>
+            </a:prstGeom>
+            <a:solidFill>
+              <a:schemeClr val="accent1"/>
+            </a:solidFill>
+            <a:ln>
+              <a:noFill/>
+            </a:ln>
+            <a:extLst>
+              <a:ext uri="{91240B29-F687-4F45-9708-019B960494DF}">
+                <a14:hiddenLine xmlns:a14="http://schemas.microsoft.com/office/drawing/2010/main" w="9525">
+                  <a:solidFill>
+                    <a:srgbClr val="000000"/>
+                  </a:solidFill>
+                  <a:miter lim="800000"/>
+                  <a:headEnd/>
+                  <a:tailEnd/>
+                </a14:hiddenLine>
+              </a:ext>
+            </a:extLst>
+          </p:spPr>
+          <p:txBody>
+            <a:bodyPr anchor="ctr"/>
+            <a:lstStyle/>
+            <a:p>
+              <a:pPr algn="ctr"/>
+              <a:endParaRPr lang="zh-CN" altLang="en-US">
+                <a:solidFill>
+                  <a:srgbClr val="FFFFFF"/>
+                </a:solidFill>
+              </a:endParaRPr>
+            </a:p>
+          </p:txBody>
+        </p:sp>
+      </p:grpSp>
+      <p:sp>
+        <p:nvSpPr>
+          <p:cNvPr id="9221" name="文本框 17"/>
+          <p:cNvSpPr txBox="1">
+            <a:spLocks noChangeArrowheads="1"/>
+          </p:cNvSpPr>
+          <p:nvPr/>
+        </p:nvSpPr>
+        <p:spPr bwMode="auto">
+          <a:xfrm>
+            <a:off x="1419225" y="274638"/>
+            <a:ext cx="7113588" cy="646331"/>
+          </a:xfrm>
+          <a:prstGeom prst="rect">
+            <a:avLst/>
+          </a:prstGeom>
+          <a:noFill/>
+          <a:ln>
+            <a:noFill/>
+          </a:ln>
+          <a:extLst>
+            <a:ext uri="{909E8E84-426E-40DD-AFC4-6F175D3DCCD1}">
+              <a14:hiddenFill xmlns:a14="http://schemas.microsoft.com/office/drawing/2010/main">
+                <a:solidFill>
+                  <a:srgbClr val="FFFFFF"/>
+                </a:solidFill>
+              </a14:hiddenFill>
+            </a:ext>
+            <a:ext uri="{91240B29-F687-4F45-9708-019B960494DF}">
+              <a14:hiddenLine xmlns:a14="http://schemas.microsoft.com/office/drawing/2010/main" w="9525">
+                <a:solidFill>
+                  <a:srgbClr val="000000"/>
+                </a:solidFill>
+                <a:miter lim="800000"/>
+                <a:headEnd/>
+                <a:tailEnd/>
+              </a14:hiddenLine>
+            </a:ext>
+          </a:extLst>
+        </p:spPr>
+        <p:txBody>
+          <a:bodyPr>
+            <a:spAutoFit/>
+          </a:bodyPr>
+          <a:lstStyle/>
+          <a:p>
+            <a:pPr algn="ctr"/>
+            <a:r>
+              <a:rPr lang="zh-CN" altLang="en-US" sz="3600" b="1" dirty="0" smtClean="0">
+                <a:solidFill>
+                  <a:schemeClr val="accent1"/>
+                </a:solidFill>
+                <a:latin typeface="微软雅黑" panose="020B0503020204020204" pitchFamily="34" charset="-122"/>
+                <a:ea typeface="微软雅黑" panose="020B0503020204020204" pitchFamily="34" charset="-122"/>
+              </a:rPr>
+              <a:t>引     言</a:t>
+            </a:r>
+            <a:endParaRPr lang="zh-CN" altLang="en-US" sz="3600" dirty="0"/>
+          </a:p>
+        </p:txBody>
+      </p:sp>
+      <p:grpSp>
+        <p:nvGrpSpPr>
+          <p:cNvPr id="9222" name="组合 19"/>
+          <p:cNvGrpSpPr>
+            <a:grpSpLocks/>
+          </p:cNvGrpSpPr>
+          <p:nvPr/>
+        </p:nvGrpSpPr>
+        <p:grpSpPr bwMode="auto">
+          <a:xfrm>
+            <a:off x="1220788" y="6519863"/>
+            <a:ext cx="8024812" cy="352425"/>
+            <a:chOff x="0" y="0"/>
+            <a:chExt cx="8024939" cy="352860"/>
+          </a:xfrm>
+        </p:grpSpPr>
+        <p:sp>
+          <p:nvSpPr>
+            <p:cNvPr id="10246" name="矩形 21"/>
+            <p:cNvSpPr>
+              <a:spLocks noChangeArrowheads="1"/>
+            </p:cNvSpPr>
+            <p:nvPr/>
+          </p:nvSpPr>
+          <p:spPr bwMode="auto">
+            <a:xfrm>
+              <a:off x="7489625" y="0"/>
+              <a:ext cx="432000" cy="338554"/>
+            </a:xfrm>
+            <a:prstGeom prst="rect">
+              <a:avLst/>
+            </a:prstGeom>
+            <a:solidFill>
+              <a:schemeClr val="accent1"/>
+            </a:solidFill>
+            <a:ln>
+              <a:noFill/>
+            </a:ln>
+            <a:extLst>
+              <a:ext uri="{91240B29-F687-4F45-9708-019B960494DF}">
+                <a14:hiddenLine xmlns:a14="http://schemas.microsoft.com/office/drawing/2010/main" w="9525">
+                  <a:solidFill>
+                    <a:srgbClr val="000000"/>
+                  </a:solidFill>
+                  <a:miter lim="800000"/>
+                  <a:headEnd/>
+                  <a:tailEnd/>
+                </a14:hiddenLine>
+              </a:ext>
+            </a:extLst>
+          </p:spPr>
+          <p:txBody>
+            <a:bodyPr anchor="ctr"/>
+            <a:lstStyle/>
+            <a:p>
+              <a:pPr algn="ctr"/>
+              <a:endParaRPr lang="zh-CN" altLang="en-US">
+                <a:solidFill>
+                  <a:srgbClr val="FFFFFF"/>
+                </a:solidFill>
+              </a:endParaRPr>
+            </a:p>
+          </p:txBody>
+        </p:sp>
+        <p:sp>
+          <p:nvSpPr>
+            <p:cNvPr id="10247" name="文本框 22"/>
+            <p:cNvSpPr txBox="1">
+              <a:spLocks noChangeArrowheads="1"/>
+            </p:cNvSpPr>
+            <p:nvPr/>
+          </p:nvSpPr>
+          <p:spPr bwMode="auto">
+            <a:xfrm>
+              <a:off x="7386311" y="0"/>
+              <a:ext cx="638628" cy="352860"/>
+            </a:xfrm>
+            <a:prstGeom prst="rect">
+              <a:avLst/>
+            </a:prstGeom>
+            <a:noFill/>
+            <a:ln>
+              <a:noFill/>
+            </a:ln>
+            <a:extLst>
+              <a:ext uri="{909E8E84-426E-40DD-AFC4-6F175D3DCCD1}">
+                <a14:hiddenFill xmlns:a14="http://schemas.microsoft.com/office/drawing/2010/main">
+                  <a:solidFill>
+                    <a:srgbClr val="FFFFFF"/>
+                  </a:solidFill>
+                </a14:hiddenFill>
+              </a:ext>
+              <a:ext uri="{91240B29-F687-4F45-9708-019B960494DF}">
+                <a14:hiddenLine xmlns:a14="http://schemas.microsoft.com/office/drawing/2010/main" w="9525">
+                  <a:solidFill>
+                    <a:srgbClr val="000000"/>
+                  </a:solidFill>
+                  <a:miter lim="800000"/>
+                  <a:headEnd/>
+                  <a:tailEnd/>
+                </a14:hiddenLine>
+              </a:ext>
+            </a:extLst>
+          </p:spPr>
+          <p:txBody>
+            <a:bodyPr>
+              <a:spAutoFit/>
+            </a:bodyPr>
+            <a:lstStyle/>
+            <a:p>
+              <a:pPr algn="ctr"/>
+              <a:r>
+                <a:rPr lang="en-US" sz="1600">
+                  <a:solidFill>
+                    <a:schemeClr val="bg1"/>
+                  </a:solidFill>
+                  <a:latin typeface="微软雅黑" panose="020B0503020204020204" pitchFamily="34" charset="-122"/>
+                  <a:ea typeface="微软雅黑" panose="020B0503020204020204" pitchFamily="34" charset="-122"/>
+                </a:rPr>
+                <a:t>0</a:t>
+              </a:r>
+              <a:r>
+                <a:rPr lang="en-US" altLang="zh-CN" sz="1600">
+                  <a:solidFill>
+                    <a:schemeClr val="bg1"/>
+                  </a:solidFill>
+                  <a:latin typeface="微软雅黑" panose="020B0503020204020204" pitchFamily="34" charset="-122"/>
+                  <a:ea typeface="微软雅黑" panose="020B0503020204020204" pitchFamily="34" charset="-122"/>
+                </a:rPr>
+                <a:t>3</a:t>
+              </a:r>
+            </a:p>
+          </p:txBody>
+        </p:sp>
+        <p:sp>
+          <p:nvSpPr>
+            <p:cNvPr id="10248" name="文本框 23"/>
+            <p:cNvSpPr txBox="1">
+              <a:spLocks noChangeArrowheads="1"/>
+            </p:cNvSpPr>
+            <p:nvPr/>
+          </p:nvSpPr>
+          <p:spPr bwMode="auto">
+            <a:xfrm>
+              <a:off x="0" y="0"/>
+              <a:ext cx="7489625" cy="338554"/>
+            </a:xfrm>
+            <a:prstGeom prst="rect">
+              <a:avLst/>
+            </a:prstGeom>
+            <a:noFill/>
+            <a:ln>
+              <a:noFill/>
+            </a:ln>
+            <a:extLst>
+              <a:ext uri="{909E8E84-426E-40DD-AFC4-6F175D3DCCD1}">
+                <a14:hiddenFill xmlns:a14="http://schemas.microsoft.com/office/drawing/2010/main">
+                  <a:solidFill>
+                    <a:srgbClr val="FFFFFF"/>
+                  </a:solidFill>
+                </a14:hiddenFill>
+              </a:ext>
+              <a:ext uri="{91240B29-F687-4F45-9708-019B960494DF}">
+                <a14:hiddenLine xmlns:a14="http://schemas.microsoft.com/office/drawing/2010/main" w="9525">
+                  <a:solidFill>
+                    <a:srgbClr val="000000"/>
+                  </a:solidFill>
+                  <a:miter lim="800000"/>
+                  <a:headEnd/>
+                  <a:tailEnd/>
+                </a14:hiddenLine>
+              </a:ext>
+            </a:extLst>
+          </p:spPr>
+          <p:txBody>
+            <a:bodyPr>
+              <a:spAutoFit/>
+            </a:bodyPr>
+            <a:lstStyle/>
+            <a:p>
+              <a:pPr algn="r"/>
+              <a:endParaRPr lang="zh-CN" altLang="en-US" sz="1600">
+                <a:solidFill>
+                  <a:srgbClr val="262626"/>
+                </a:solidFill>
+                <a:latin typeface="微软雅黑" panose="020B0503020204020204" pitchFamily="34" charset="-122"/>
+                <a:ea typeface="微软雅黑" panose="020B0503020204020204" pitchFamily="34" charset="-122"/>
+              </a:endParaRPr>
+            </a:p>
+          </p:txBody>
+        </p:sp>
+      </p:grpSp>
+      <p:sp>
+        <p:nvSpPr>
+          <p:cNvPr id="9227" name="文本框 9226"/>
+          <p:cNvSpPr txBox="1"/>
+          <p:nvPr/>
+        </p:nvSpPr>
+        <p:spPr>
+          <a:xfrm>
+            <a:off x="790575" y="1239838"/>
+            <a:ext cx="7600950" cy="5262979"/>
+          </a:xfrm>
+          <a:prstGeom prst="rect">
+            <a:avLst/>
+          </a:prstGeom>
+          <a:noFill/>
+          <a:ln w="9525">
+            <a:noFill/>
+          </a:ln>
+        </p:spPr>
+        <p:txBody>
+          <a:bodyPr>
+            <a:spAutoFit/>
+          </a:bodyPr>
+          <a:lstStyle/>
+          <a:p>
+            <a:pPr eaLnBrk="0" hangingPunct="0">
+              <a:lnSpc>
+                <a:spcPct val="120000"/>
+              </a:lnSpc>
+            </a:pPr>
+            <a:r>
+              <a:rPr lang="zh-CN" altLang="en-US" sz="2800" noProof="1" smtClean="0">
+                <a:effectLst>
+                  <a:outerShdw blurRad="38100" dist="19050" dir="2700000" algn="tl" rotWithShape="0">
+                    <a:schemeClr val="dk1">
+                      <a:alpha val="40000"/>
+                    </a:schemeClr>
+                  </a:outerShdw>
+                </a:effectLst>
+                <a:latin typeface="Calibri" pitchFamily="2" charset="0"/>
+                <a:ea typeface="宋体" charset="-122"/>
+                <a:cs typeface="+mn-ea"/>
+              </a:rPr>
+              <a:t>行人检测：从图像或视频中框出</a:t>
+            </a:r>
+            <a:r>
+              <a:rPr lang="zh-CN" altLang="en-US" sz="2800" noProof="1" smtClean="0">
+                <a:solidFill>
+                  <a:srgbClr val="0070C0"/>
+                </a:solidFill>
+                <a:effectLst>
+                  <a:outerShdw blurRad="38100" dist="19050" dir="2700000" algn="tl" rotWithShape="0">
+                    <a:schemeClr val="dk1">
+                      <a:alpha val="40000"/>
+                    </a:schemeClr>
+                  </a:outerShdw>
+                </a:effectLst>
+                <a:latin typeface="Calibri" pitchFamily="2" charset="0"/>
+                <a:ea typeface="宋体" charset="-122"/>
+                <a:cs typeface="+mn-ea"/>
+              </a:rPr>
+              <a:t>行人</a:t>
+            </a:r>
+            <a:r>
+              <a:rPr lang="zh-CN" altLang="en-US" sz="2800" noProof="1" smtClean="0">
+                <a:effectLst>
+                  <a:outerShdw blurRad="38100" dist="19050" dir="2700000" algn="tl" rotWithShape="0">
+                    <a:schemeClr val="dk1">
+                      <a:alpha val="40000"/>
+                    </a:schemeClr>
+                  </a:outerShdw>
+                </a:effectLst>
+                <a:latin typeface="Calibri" pitchFamily="2" charset="0"/>
+                <a:ea typeface="宋体" charset="-122"/>
+                <a:cs typeface="+mn-ea"/>
+              </a:rPr>
+              <a:t>所在位置</a:t>
+            </a:r>
+            <a:endParaRPr lang="en-US" altLang="zh-CN" sz="2800" noProof="1" smtClean="0">
+              <a:effectLst>
+                <a:outerShdw blurRad="38100" dist="19050" dir="2700000" algn="tl" rotWithShape="0">
+                  <a:schemeClr val="dk1">
+                    <a:alpha val="40000"/>
+                  </a:schemeClr>
+                </a:outerShdw>
+              </a:effectLst>
+              <a:latin typeface="Calibri" pitchFamily="2" charset="0"/>
+              <a:ea typeface="宋体" charset="-122"/>
+              <a:cs typeface="+mn-ea"/>
+            </a:endParaRPr>
+          </a:p>
+          <a:p>
+            <a:pPr eaLnBrk="0" hangingPunct="0">
+              <a:lnSpc>
+                <a:spcPct val="120000"/>
+              </a:lnSpc>
+            </a:pPr>
+            <a:r>
+              <a:rPr lang="zh-CN" altLang="en-US" sz="2800" noProof="1" smtClean="0">
+                <a:effectLst>
+                  <a:outerShdw blurRad="38100" dist="19050" dir="2700000" algn="tl" rotWithShape="0">
+                    <a:schemeClr val="dk1">
+                      <a:alpha val="40000"/>
+                    </a:schemeClr>
+                  </a:outerShdw>
+                </a:effectLst>
+                <a:latin typeface="Calibri" pitchFamily="2" charset="0"/>
+                <a:ea typeface="宋体" charset="-122"/>
+                <a:cs typeface="+mn-ea"/>
+              </a:rPr>
+              <a:t>目标检测：从图像或视频中框出</a:t>
+            </a:r>
+            <a:r>
+              <a:rPr lang="zh-CN" altLang="en-US" sz="2800" noProof="1" smtClean="0">
+                <a:solidFill>
+                  <a:srgbClr val="0070C0"/>
+                </a:solidFill>
+                <a:effectLst>
+                  <a:outerShdw blurRad="38100" dist="19050" dir="2700000" algn="tl" rotWithShape="0">
+                    <a:schemeClr val="dk1">
+                      <a:alpha val="40000"/>
+                    </a:schemeClr>
+                  </a:outerShdw>
+                </a:effectLst>
+                <a:latin typeface="Calibri" pitchFamily="2" charset="0"/>
+                <a:ea typeface="宋体" charset="-122"/>
+                <a:cs typeface="+mn-ea"/>
+              </a:rPr>
+              <a:t>目标</a:t>
+            </a:r>
+            <a:r>
+              <a:rPr lang="zh-CN" altLang="en-US" sz="2800" noProof="1" smtClean="0">
+                <a:effectLst>
+                  <a:outerShdw blurRad="38100" dist="19050" dir="2700000" algn="tl" rotWithShape="0">
+                    <a:schemeClr val="dk1">
+                      <a:alpha val="40000"/>
+                    </a:schemeClr>
+                  </a:outerShdw>
+                </a:effectLst>
+                <a:latin typeface="Calibri" pitchFamily="2" charset="0"/>
+                <a:ea typeface="宋体" charset="-122"/>
+                <a:cs typeface="+mn-ea"/>
+              </a:rPr>
+              <a:t>所在位置</a:t>
+            </a:r>
+            <a:r>
+              <a:rPr lang="en-US" altLang="zh-CN" sz="2800" noProof="1" smtClean="0">
+                <a:effectLst>
+                  <a:outerShdw blurRad="38100" dist="19050" dir="2700000" algn="tl" rotWithShape="0">
+                    <a:schemeClr val="dk1">
+                      <a:alpha val="40000"/>
+                    </a:schemeClr>
+                  </a:outerShdw>
+                </a:effectLst>
+                <a:latin typeface="Calibri" pitchFamily="2" charset="0"/>
+                <a:ea typeface="宋体" charset="-122"/>
+                <a:cs typeface="+mn-ea"/>
+              </a:rPr>
+              <a:t>			</a:t>
+            </a:r>
+            <a:r>
+              <a:rPr lang="zh-CN" altLang="en-US" sz="2800" noProof="1" smtClean="0">
+                <a:effectLst>
+                  <a:outerShdw blurRad="38100" dist="19050" dir="2700000" algn="tl" rotWithShape="0">
+                    <a:schemeClr val="dk1">
+                      <a:alpha val="40000"/>
+                    </a:schemeClr>
+                  </a:outerShdw>
+                </a:effectLst>
+                <a:latin typeface="Calibri" pitchFamily="2" charset="0"/>
+                <a:ea typeface="宋体" charset="-122"/>
+                <a:cs typeface="+mn-ea"/>
+              </a:rPr>
+              <a:t>（目标可以是多个类别）</a:t>
+            </a:r>
+            <a:endParaRPr lang="en-US" altLang="zh-CN" sz="2800" noProof="1" smtClean="0">
+              <a:effectLst>
+                <a:outerShdw blurRad="38100" dist="19050" dir="2700000" algn="tl" rotWithShape="0">
+                  <a:schemeClr val="dk1">
+                    <a:alpha val="40000"/>
+                  </a:schemeClr>
+                </a:outerShdw>
+              </a:effectLst>
+              <a:latin typeface="Calibri" pitchFamily="2" charset="0"/>
+              <a:ea typeface="宋体" charset="-122"/>
+              <a:cs typeface="+mn-ea"/>
+            </a:endParaRPr>
+          </a:p>
+          <a:p>
+            <a:pPr eaLnBrk="0" hangingPunct="0">
+              <a:lnSpc>
+                <a:spcPct val="120000"/>
+              </a:lnSpc>
+            </a:pPr>
+            <a:endParaRPr lang="en-US" altLang="zh-CN" sz="2800" noProof="1">
+              <a:effectLst>
+                <a:outerShdw blurRad="38100" dist="19050" dir="2700000" algn="tl" rotWithShape="0">
+                  <a:schemeClr val="dk1">
+                    <a:alpha val="40000"/>
+                  </a:schemeClr>
+                </a:outerShdw>
+              </a:effectLst>
+              <a:latin typeface="Calibri" pitchFamily="2" charset="0"/>
+              <a:ea typeface="宋体" charset="-122"/>
+              <a:cs typeface="+mn-ea"/>
+            </a:endParaRPr>
+          </a:p>
+          <a:p>
+            <a:pPr eaLnBrk="0" hangingPunct="0">
+              <a:lnSpc>
+                <a:spcPct val="120000"/>
+              </a:lnSpc>
+            </a:pPr>
+            <a:endParaRPr lang="en-US" altLang="zh-CN" sz="2800" noProof="1" smtClean="0">
+              <a:effectLst>
+                <a:outerShdw blurRad="38100" dist="19050" dir="2700000" algn="tl" rotWithShape="0">
+                  <a:schemeClr val="dk1">
+                    <a:alpha val="40000"/>
+                  </a:schemeClr>
+                </a:outerShdw>
+              </a:effectLst>
+              <a:latin typeface="Calibri" pitchFamily="2" charset="0"/>
+              <a:ea typeface="宋体" charset="-122"/>
+              <a:cs typeface="+mn-ea"/>
+            </a:endParaRPr>
+          </a:p>
+          <a:p>
+            <a:pPr eaLnBrk="0" hangingPunct="0">
+              <a:lnSpc>
+                <a:spcPct val="120000"/>
+              </a:lnSpc>
+            </a:pPr>
+            <a:endParaRPr lang="en-US" altLang="zh-CN" sz="2800" noProof="1">
+              <a:effectLst>
+                <a:outerShdw blurRad="38100" dist="19050" dir="2700000" algn="tl" rotWithShape="0">
+                  <a:schemeClr val="dk1">
+                    <a:alpha val="40000"/>
+                  </a:schemeClr>
+                </a:outerShdw>
+              </a:effectLst>
+              <a:latin typeface="Calibri" pitchFamily="2" charset="0"/>
+              <a:ea typeface="宋体" charset="-122"/>
+              <a:cs typeface="+mn-ea"/>
+            </a:endParaRPr>
+          </a:p>
+          <a:p>
+            <a:pPr eaLnBrk="0" hangingPunct="0">
+              <a:lnSpc>
+                <a:spcPct val="120000"/>
+              </a:lnSpc>
+            </a:pPr>
+            <a:endParaRPr lang="en-US" altLang="zh-CN" sz="2800" noProof="1" smtClean="0">
+              <a:effectLst>
+                <a:outerShdw blurRad="38100" dist="19050" dir="2700000" algn="tl" rotWithShape="0">
+                  <a:schemeClr val="dk1">
+                    <a:alpha val="40000"/>
+                  </a:schemeClr>
+                </a:outerShdw>
+              </a:effectLst>
+              <a:latin typeface="Calibri" pitchFamily="2" charset="0"/>
+              <a:ea typeface="宋体" charset="-122"/>
+              <a:cs typeface="+mn-ea"/>
+            </a:endParaRPr>
+          </a:p>
+          <a:p>
+            <a:pPr eaLnBrk="0" hangingPunct="0">
+              <a:lnSpc>
+                <a:spcPct val="120000"/>
+              </a:lnSpc>
+            </a:pPr>
+            <a:endParaRPr lang="en-US" altLang="zh-CN" sz="2800" noProof="1">
+              <a:effectLst>
+                <a:outerShdw blurRad="38100" dist="19050" dir="2700000" algn="tl" rotWithShape="0">
+                  <a:schemeClr val="dk1">
+                    <a:alpha val="40000"/>
+                  </a:schemeClr>
+                </a:outerShdw>
+              </a:effectLst>
+              <a:latin typeface="Calibri" pitchFamily="2" charset="0"/>
+              <a:ea typeface="宋体" charset="-122"/>
+              <a:cs typeface="+mn-ea"/>
+            </a:endParaRPr>
+          </a:p>
+          <a:p>
+            <a:pPr eaLnBrk="0" hangingPunct="0">
+              <a:lnSpc>
+                <a:spcPct val="120000"/>
+              </a:lnSpc>
+            </a:pPr>
+            <a:endParaRPr lang="en-US" altLang="zh-CN" sz="2800" noProof="1" smtClean="0">
+              <a:effectLst>
+                <a:outerShdw blurRad="38100" dist="19050" dir="2700000" algn="tl" rotWithShape="0">
+                  <a:schemeClr val="dk1">
+                    <a:alpha val="40000"/>
+                  </a:schemeClr>
+                </a:outerShdw>
+              </a:effectLst>
+              <a:latin typeface="Calibri" pitchFamily="2" charset="0"/>
+              <a:ea typeface="宋体" charset="-122"/>
+              <a:cs typeface="+mn-ea"/>
+            </a:endParaRPr>
+          </a:p>
+          <a:p>
+            <a:pPr eaLnBrk="0" hangingPunct="0">
+              <a:lnSpc>
+                <a:spcPct val="120000"/>
+              </a:lnSpc>
+            </a:pPr>
+            <a:r>
+              <a:rPr lang="en-US" altLang="zh-CN" sz="2800" noProof="1" smtClean="0">
+                <a:effectLst>
+                  <a:outerShdw blurRad="38100" dist="19050" dir="2700000" algn="tl" rotWithShape="0">
+                    <a:schemeClr val="dk1">
+                      <a:alpha val="40000"/>
+                    </a:schemeClr>
+                  </a:outerShdw>
+                </a:effectLst>
+                <a:latin typeface="Calibri" pitchFamily="2" charset="0"/>
+                <a:ea typeface="宋体" charset="-122"/>
+                <a:cs typeface="+mn-ea"/>
+              </a:rPr>
+              <a:t>	 </a:t>
+            </a:r>
+            <a:r>
+              <a:rPr lang="zh-CN" altLang="en-US" sz="2800" noProof="1" smtClean="0">
+                <a:effectLst>
+                  <a:outerShdw blurRad="38100" dist="19050" dir="2700000" algn="tl" rotWithShape="0">
+                    <a:schemeClr val="dk1">
+                      <a:alpha val="40000"/>
+                    </a:schemeClr>
+                  </a:outerShdw>
+                </a:effectLst>
+                <a:latin typeface="Calibri" pitchFamily="2" charset="0"/>
+                <a:ea typeface="宋体" charset="-122"/>
+                <a:cs typeface="+mn-ea"/>
+              </a:rPr>
+              <a:t>行人检测</a:t>
+            </a:r>
+            <a:r>
+              <a:rPr lang="en-US" altLang="zh-CN" sz="2800" noProof="1" smtClean="0">
+                <a:effectLst>
+                  <a:outerShdw blurRad="38100" dist="19050" dir="2700000" algn="tl" rotWithShape="0">
+                    <a:schemeClr val="dk1">
+                      <a:alpha val="40000"/>
+                    </a:schemeClr>
+                  </a:outerShdw>
+                </a:effectLst>
+                <a:latin typeface="Calibri" pitchFamily="2" charset="0"/>
+                <a:ea typeface="宋体" charset="-122"/>
+                <a:cs typeface="+mn-ea"/>
+              </a:rPr>
+              <a:t>			     </a:t>
+            </a:r>
+            <a:r>
+              <a:rPr lang="zh-CN" altLang="en-US" sz="2800" noProof="1" smtClean="0">
+                <a:effectLst>
+                  <a:outerShdw blurRad="38100" dist="19050" dir="2700000" algn="tl" rotWithShape="0">
+                    <a:schemeClr val="dk1">
+                      <a:alpha val="40000"/>
+                    </a:schemeClr>
+                  </a:outerShdw>
+                </a:effectLst>
+                <a:latin typeface="Calibri" pitchFamily="2" charset="0"/>
+                <a:ea typeface="宋体" charset="-122"/>
+                <a:cs typeface="+mn-ea"/>
+              </a:rPr>
+              <a:t>目标检测</a:t>
+            </a:r>
+            <a:endParaRPr lang="en-US" altLang="zh-CN" sz="2800" noProof="1">
+              <a:effectLst>
+                <a:outerShdw blurRad="38100" dist="19050" dir="2700000" algn="tl" rotWithShape="0">
+                  <a:schemeClr val="dk1">
+                    <a:alpha val="40000"/>
+                  </a:schemeClr>
+                </a:outerShdw>
+              </a:effectLst>
+              <a:latin typeface="Calibri" pitchFamily="2" charset="0"/>
+              <a:ea typeface="宋体" charset="-122"/>
+              <a:cs typeface="+mn-ea"/>
+            </a:endParaRPr>
+          </a:p>
+        </p:txBody>
+      </p:sp>
+      <p:pic>
+        <p:nvPicPr>
+          <p:cNvPr id="2" name="图片 1"/>
+          <p:cNvPicPr>
+            <a:picLocks noChangeAspect="1"/>
+          </p:cNvPicPr>
+          <p:nvPr/>
+        </p:nvPicPr>
+        <p:blipFill>
+          <a:blip r:embed="rId3"/>
+          <a:stretch>
+            <a:fillRect/>
+          </a:stretch>
+        </p:blipFill>
+        <p:spPr>
+          <a:xfrm>
+            <a:off x="5203944" y="3116346"/>
+            <a:ext cx="2666667" cy="2666667"/>
+          </a:xfrm>
+          <a:prstGeom prst="rect">
+            <a:avLst/>
+          </a:prstGeom>
+        </p:spPr>
+      </p:pic>
+      <p:pic>
+        <p:nvPicPr>
+          <p:cNvPr id="3" name="图片 2"/>
+          <p:cNvPicPr>
+            <a:picLocks noChangeAspect="1"/>
+          </p:cNvPicPr>
+          <p:nvPr/>
+        </p:nvPicPr>
+        <p:blipFill>
+          <a:blip r:embed="rId4">
+            <a:extLst>
+              <a:ext uri="{28A0092B-C50C-407E-A947-70E740481C1C}">
+                <a14:useLocalDpi xmlns:a14="http://schemas.microsoft.com/office/drawing/2010/main" val="0"/>
+              </a:ext>
+            </a:extLst>
+          </a:blip>
+          <a:stretch>
+            <a:fillRect/>
+          </a:stretch>
+        </p:blipFill>
+        <p:spPr>
+          <a:xfrm>
+            <a:off x="1220788" y="3115413"/>
+            <a:ext cx="2667600" cy="2667600"/>
+          </a:xfrm>
+          <a:prstGeom prst="rect">
+            <a:avLst/>
+          </a:prstGeom>
+        </p:spPr>
+      </p:pic>
+    </p:spTree>
+  </p:cSld>
+  <p:clrMapOvr>
+    <a:masterClrMapping/>
+  </p:clrMapOvr>
+  <p:timing>
+    <p:tnLst>
+      <p:par>
+        <p:cTn id="1" dur="indefinite" restart="never" nodeType="tmRoot"/>
+      </p:par>
+    </p:tnLst>
+  </p:timing>
+</p:sld>
+</file>
+
+<file path=ppt/slides/slide40.xml><?xml version="1.0" encoding="utf-8"?>
 <p:sld xmlns:a="http://schemas.openxmlformats.org/drawingml/2006/main" xmlns:r="http://schemas.openxmlformats.org/officeDocument/2006/relationships" xmlns:p="http://schemas.openxmlformats.org/presentationml/2006/main">
   <p:cSld>
     <p:spTree>
@@ -45207,7 +44700,7 @@
 </p:sld>
 </file>
 
-<file path=ppt/slides/slide42.xml><?xml version="1.0" encoding="utf-8"?>
+<file path=ppt/slides/slide41.xml><?xml version="1.0" encoding="utf-8"?>
 <p:sld xmlns:a="http://schemas.openxmlformats.org/drawingml/2006/main" xmlns:r="http://schemas.openxmlformats.org/officeDocument/2006/relationships" xmlns:p="http://schemas.openxmlformats.org/presentationml/2006/main">
   <p:cSld>
     <p:spTree>
@@ -45702,7 +45195,7 @@
 </p:sld>
 </file>
 
-<file path=ppt/slides/slide43.xml><?xml version="1.0" encoding="utf-8"?>
+<file path=ppt/slides/slide42.xml><?xml version="1.0" encoding="utf-8"?>
 <p:sld xmlns:a="http://schemas.openxmlformats.org/drawingml/2006/main" xmlns:r="http://schemas.openxmlformats.org/officeDocument/2006/relationships" xmlns:p="http://schemas.openxmlformats.org/presentationml/2006/main">
   <p:cSld>
     <p:spTree>
@@ -46335,7 +45828,7 @@
 </p:sld>
 </file>
 
-<file path=ppt/slides/slide44.xml><?xml version="1.0" encoding="utf-8"?>
+<file path=ppt/slides/slide43.xml><?xml version="1.0" encoding="utf-8"?>
 <p:sld xmlns:a="http://schemas.openxmlformats.org/drawingml/2006/main" xmlns:r="http://schemas.openxmlformats.org/officeDocument/2006/relationships" xmlns:p="http://schemas.openxmlformats.org/presentationml/2006/main">
   <p:cSld>
     <p:spTree>
@@ -47069,7 +46562,7 @@
 </p:sld>
 </file>
 
-<file path=ppt/slides/slide45.xml><?xml version="1.0" encoding="utf-8"?>
+<file path=ppt/slides/slide44.xml><?xml version="1.0" encoding="utf-8"?>
 <p:sld xmlns:a="http://schemas.openxmlformats.org/drawingml/2006/main" xmlns:r="http://schemas.openxmlformats.org/officeDocument/2006/relationships" xmlns:p="http://schemas.openxmlformats.org/presentationml/2006/main">
   <p:cSld>
     <p:spTree>

--- a/赵惠答辩（删）.pptx
+++ b/赵惠答辩（删）.pptx
@@ -36665,7 +36665,7 @@
             <a:lstStyle/>
             <a:p>
               <a:pPr algn="r"/>
-              <a:endParaRPr lang="zh-CN" altLang="en-US" sz="1600">
+              <a:endParaRPr lang="zh-CN" altLang="en-US" sz="1600" dirty="0">
                 <a:solidFill>
                   <a:srgbClr val="262626"/>
                 </a:solidFill>
@@ -36678,22 +36678,28 @@
       </p:grpSp>
       <p:pic>
         <p:nvPicPr>
-          <p:cNvPr id="2" name="图片 1"/>
+          <p:cNvPr id="10" name="图片 9"/>
           <p:cNvPicPr>
             <a:picLocks noChangeAspect="1"/>
           </p:cNvPicPr>
           <p:nvPr/>
         </p:nvPicPr>
         <p:blipFill>
-          <a:blip r:embed="rId2"/>
+          <a:blip r:embed="rId2">
+            <a:extLst>
+              <a:ext uri="{28A0092B-C50C-407E-A947-70E740481C1C}">
+                <a14:useLocalDpi xmlns:a14="http://schemas.microsoft.com/office/drawing/2010/main" val="0"/>
+              </a:ext>
+            </a:extLst>
+          </a:blip>
           <a:stretch>
             <a:fillRect/>
           </a:stretch>
         </p:blipFill>
         <p:spPr>
           <a:xfrm>
-            <a:off x="1577661" y="1088617"/>
-            <a:ext cx="6429999" cy="5416958"/>
+            <a:off x="880927" y="1067300"/>
+            <a:ext cx="7397375" cy="5646010"/>
           </a:xfrm>
           <a:prstGeom prst="rect">
             <a:avLst/>
@@ -37631,26 +37637,35 @@
       </p:grpSp>
       <p:pic>
         <p:nvPicPr>
-          <p:cNvPr id="3" name="图片 2"/>
-          <p:cNvPicPr>
-            <a:picLocks noChangeAspect="1"/>
-          </p:cNvPicPr>
+          <p:cNvPr id="11" name="图片 10" descr="C:\Users\Administrator\AppData\Roaming\Tencent\Users\2211565104\QQ\WinTemp\RichOle\GBRJA19QV_$}O]WD6}YAE3U.png"/>
+          <p:cNvPicPr/>
           <p:nvPr/>
         </p:nvPicPr>
         <p:blipFill>
-          <a:blip r:embed="rId2"/>
+          <a:blip r:embed="rId2">
+            <a:extLst>
+              <a:ext uri="{28A0092B-C50C-407E-A947-70E740481C1C}">
+                <a14:useLocalDpi xmlns:a14="http://schemas.microsoft.com/office/drawing/2010/main" val="0"/>
+              </a:ext>
+            </a:extLst>
+          </a:blip>
+          <a:srcRect/>
           <a:stretch>
             <a:fillRect/>
           </a:stretch>
         </p:blipFill>
-        <p:spPr>
+        <p:spPr bwMode="auto">
           <a:xfrm>
-            <a:off x="1659857" y="1067299"/>
-            <a:ext cx="6308989" cy="5306234"/>
+            <a:off x="1419225" y="1140279"/>
+            <a:ext cx="6403214" cy="5555796"/>
           </a:xfrm>
           <a:prstGeom prst="rect">
             <a:avLst/>
           </a:prstGeom>
+          <a:noFill/>
+          <a:ln>
+            <a:noFill/>
+          </a:ln>
         </p:spPr>
       </p:pic>
     </p:spTree>

--- a/赵惠答辩（删）.pptx
+++ b/赵惠答辩（删）.pptx
@@ -36706,6 +36706,40 @@
           </a:prstGeom>
         </p:spPr>
       </p:pic>
+      <p:sp>
+        <p:nvSpPr>
+          <p:cNvPr id="11" name="文本框 10"/>
+          <p:cNvSpPr txBox="1"/>
+          <p:nvPr/>
+        </p:nvSpPr>
+        <p:spPr>
+          <a:xfrm>
+            <a:off x="146957" y="3135086"/>
+            <a:ext cx="532518" cy="369332"/>
+          </a:xfrm>
+          <a:prstGeom prst="rect">
+            <a:avLst/>
+          </a:prstGeom>
+          <a:noFill/>
+        </p:spPr>
+        <p:txBody>
+          <a:bodyPr wrap="none" rtlCol="0">
+            <a:spAutoFit/>
+          </a:bodyPr>
+          <a:lstStyle/>
+          <a:p>
+            <a:r>
+              <a:rPr lang="zh-CN" altLang="en-US" dirty="0" smtClean="0"/>
+              <a:t>图</a:t>
+            </a:r>
+            <a:r>
+              <a:rPr lang="en-US" altLang="zh-CN" dirty="0" smtClean="0"/>
+              <a:t>1</a:t>
+            </a:r>
+            <a:endParaRPr lang="zh-CN" altLang="en-US" dirty="0"/>
+          </a:p>
+        </p:txBody>
+      </p:sp>
     </p:spTree>
     <p:extLst>
       <p:ext uri="{BB962C8B-B14F-4D97-AF65-F5344CB8AC3E}">
@@ -37668,6 +37702,40 @@
           </a:ln>
         </p:spPr>
       </p:pic>
+      <p:sp>
+        <p:nvSpPr>
+          <p:cNvPr id="2" name="文本框 1"/>
+          <p:cNvSpPr txBox="1"/>
+          <p:nvPr/>
+        </p:nvSpPr>
+        <p:spPr>
+          <a:xfrm>
+            <a:off x="293914" y="2775857"/>
+            <a:ext cx="532518" cy="369332"/>
+          </a:xfrm>
+          <a:prstGeom prst="rect">
+            <a:avLst/>
+          </a:prstGeom>
+          <a:noFill/>
+        </p:spPr>
+        <p:txBody>
+          <a:bodyPr wrap="none" rtlCol="0">
+            <a:spAutoFit/>
+          </a:bodyPr>
+          <a:lstStyle/>
+          <a:p>
+            <a:r>
+              <a:rPr lang="zh-CN" altLang="en-US" dirty="0" smtClean="0"/>
+              <a:t>图</a:t>
+            </a:r>
+            <a:r>
+              <a:rPr lang="en-US" altLang="zh-CN" dirty="0" smtClean="0"/>
+              <a:t>2</a:t>
+            </a:r>
+            <a:endParaRPr lang="zh-CN" altLang="en-US" dirty="0"/>
+          </a:p>
+        </p:txBody>
+      </p:sp>
     </p:spTree>
     <p:extLst>
       <p:ext uri="{BB962C8B-B14F-4D97-AF65-F5344CB8AC3E}">
@@ -38073,10 +38141,8 @@
       </p:grpSp>
       <p:pic>
         <p:nvPicPr>
-          <p:cNvPr id="2" name="图片 1"/>
-          <p:cNvPicPr>
-            <a:picLocks noChangeAspect="1"/>
-          </p:cNvPicPr>
+          <p:cNvPr id="11" name="图片 10"/>
+          <p:cNvPicPr/>
           <p:nvPr/>
         </p:nvPicPr>
         <p:blipFill>
@@ -38087,14 +38153,48 @@
         </p:blipFill>
         <p:spPr>
           <a:xfrm>
-            <a:off x="2001984" y="1267327"/>
-            <a:ext cx="5862610" cy="5131860"/>
+            <a:off x="1277938" y="1213856"/>
+            <a:ext cx="6755764" cy="5310551"/>
           </a:xfrm>
           <a:prstGeom prst="rect">
             <a:avLst/>
           </a:prstGeom>
         </p:spPr>
       </p:pic>
+      <p:sp>
+        <p:nvSpPr>
+          <p:cNvPr id="3" name="文本框 2"/>
+          <p:cNvSpPr txBox="1"/>
+          <p:nvPr/>
+        </p:nvSpPr>
+        <p:spPr>
+          <a:xfrm>
+            <a:off x="473529" y="2743200"/>
+            <a:ext cx="532518" cy="369332"/>
+          </a:xfrm>
+          <a:prstGeom prst="rect">
+            <a:avLst/>
+          </a:prstGeom>
+          <a:noFill/>
+        </p:spPr>
+        <p:txBody>
+          <a:bodyPr wrap="none" rtlCol="0">
+            <a:spAutoFit/>
+          </a:bodyPr>
+          <a:lstStyle/>
+          <a:p>
+            <a:r>
+              <a:rPr lang="zh-CN" altLang="en-US" dirty="0" smtClean="0"/>
+              <a:t>图</a:t>
+            </a:r>
+            <a:r>
+              <a:rPr lang="en-US" altLang="zh-CN" dirty="0" smtClean="0"/>
+              <a:t>3</a:t>
+            </a:r>
+            <a:endParaRPr lang="zh-CN" altLang="en-US" dirty="0"/>
+          </a:p>
+        </p:txBody>
+      </p:sp>
     </p:spTree>
     <p:extLst>
       <p:ext uri="{BB962C8B-B14F-4D97-AF65-F5344CB8AC3E}">

--- a/赵惠答辩（删）.pptx
+++ b/赵惠答辩（删）.pptx
@@ -39239,28 +39239,68 @@
       </p:grpSp>
       <p:pic>
         <p:nvPicPr>
-          <p:cNvPr id="3" name="图片 2"/>
+          <p:cNvPr id="2" name="图片 1"/>
           <p:cNvPicPr>
             <a:picLocks noChangeAspect="1"/>
           </p:cNvPicPr>
           <p:nvPr/>
         </p:nvPicPr>
         <p:blipFill>
-          <a:blip r:embed="rId2"/>
+          <a:blip r:embed="rId2">
+            <a:extLst>
+              <a:ext uri="{28A0092B-C50C-407E-A947-70E740481C1C}">
+                <a14:useLocalDpi xmlns:a14="http://schemas.microsoft.com/office/drawing/2010/main" val="0"/>
+              </a:ext>
+            </a:extLst>
+          </a:blip>
           <a:stretch>
             <a:fillRect/>
           </a:stretch>
         </p:blipFill>
         <p:spPr>
           <a:xfrm>
-            <a:off x="1419225" y="1199460"/>
-            <a:ext cx="6678708" cy="5041912"/>
+            <a:off x="1419225" y="1176556"/>
+            <a:ext cx="6586348" cy="5338763"/>
           </a:xfrm>
           <a:prstGeom prst="rect">
             <a:avLst/>
           </a:prstGeom>
         </p:spPr>
       </p:pic>
+      <p:sp>
+        <p:nvSpPr>
+          <p:cNvPr id="12" name="文本框 11"/>
+          <p:cNvSpPr txBox="1"/>
+          <p:nvPr/>
+        </p:nvSpPr>
+        <p:spPr>
+          <a:xfrm>
+            <a:off x="473529" y="2743200"/>
+            <a:ext cx="532518" cy="369332"/>
+          </a:xfrm>
+          <a:prstGeom prst="rect">
+            <a:avLst/>
+          </a:prstGeom>
+          <a:noFill/>
+        </p:spPr>
+        <p:txBody>
+          <a:bodyPr wrap="none" rtlCol="0">
+            <a:spAutoFit/>
+          </a:bodyPr>
+          <a:lstStyle/>
+          <a:p>
+            <a:r>
+              <a:rPr lang="zh-CN" altLang="en-US" dirty="0" smtClean="0"/>
+              <a:t>图</a:t>
+            </a:r>
+            <a:r>
+              <a:rPr lang="en-US" altLang="zh-CN" dirty="0"/>
+              <a:t>4</a:t>
+            </a:r>
+            <a:endParaRPr lang="zh-CN" altLang="en-US" dirty="0"/>
+          </a:p>
+        </p:txBody>
+      </p:sp>
     </p:spTree>
     <p:extLst>
       <p:ext uri="{BB962C8B-B14F-4D97-AF65-F5344CB8AC3E}">

--- a/赵惠答辩（删）.pptx
+++ b/赵惠答辩（删）.pptx
@@ -40208,28 +40208,68 @@
       </p:grpSp>
       <p:pic>
         <p:nvPicPr>
-          <p:cNvPr id="2" name="图片 1"/>
+          <p:cNvPr id="3" name="图片 2"/>
           <p:cNvPicPr>
             <a:picLocks noChangeAspect="1"/>
           </p:cNvPicPr>
           <p:nvPr/>
         </p:nvPicPr>
         <p:blipFill>
-          <a:blip r:embed="rId2"/>
+          <a:blip r:embed="rId2">
+            <a:extLst>
+              <a:ext uri="{28A0092B-C50C-407E-A947-70E740481C1C}">
+                <a14:useLocalDpi xmlns:a14="http://schemas.microsoft.com/office/drawing/2010/main" val="0"/>
+              </a:ext>
+            </a:extLst>
+          </a:blip>
           <a:stretch>
             <a:fillRect/>
           </a:stretch>
         </p:blipFill>
         <p:spPr>
           <a:xfrm>
-            <a:off x="1655375" y="1115096"/>
-            <a:ext cx="6203670" cy="5400223"/>
+            <a:off x="1419225" y="1385887"/>
+            <a:ext cx="6830682" cy="4933270"/>
           </a:xfrm>
           <a:prstGeom prst="rect">
             <a:avLst/>
           </a:prstGeom>
         </p:spPr>
       </p:pic>
+      <p:sp>
+        <p:nvSpPr>
+          <p:cNvPr id="12" name="文本框 11"/>
+          <p:cNvSpPr txBox="1"/>
+          <p:nvPr/>
+        </p:nvSpPr>
+        <p:spPr>
+          <a:xfrm>
+            <a:off x="473529" y="2743200"/>
+            <a:ext cx="532518" cy="369332"/>
+          </a:xfrm>
+          <a:prstGeom prst="rect">
+            <a:avLst/>
+          </a:prstGeom>
+          <a:noFill/>
+        </p:spPr>
+        <p:txBody>
+          <a:bodyPr wrap="none" rtlCol="0">
+            <a:spAutoFit/>
+          </a:bodyPr>
+          <a:lstStyle/>
+          <a:p>
+            <a:r>
+              <a:rPr lang="zh-CN" altLang="en-US" dirty="0" smtClean="0"/>
+              <a:t>图</a:t>
+            </a:r>
+            <a:r>
+              <a:rPr lang="en-US" altLang="zh-CN" dirty="0"/>
+              <a:t>5</a:t>
+            </a:r>
+            <a:endParaRPr lang="zh-CN" altLang="en-US" dirty="0"/>
+          </a:p>
+        </p:txBody>
+      </p:sp>
     </p:spTree>
     <p:extLst>
       <p:ext uri="{BB962C8B-B14F-4D97-AF65-F5344CB8AC3E}">

--- a/赵惠答辩（删）.pptx
+++ b/赵惠答辩（删）.pptx
@@ -40675,10 +40675,8 @@
       </p:grpSp>
       <p:pic>
         <p:nvPicPr>
-          <p:cNvPr id="3" name="图片 2"/>
-          <p:cNvPicPr>
-            <a:picLocks noChangeAspect="1"/>
-          </p:cNvPicPr>
+          <p:cNvPr id="11" name="图片 10"/>
+          <p:cNvPicPr/>
           <p:nvPr/>
         </p:nvPicPr>
         <p:blipFill>
@@ -40689,14 +40687,48 @@
         </p:blipFill>
         <p:spPr>
           <a:xfrm>
-            <a:off x="1763061" y="1087428"/>
-            <a:ext cx="6301648" cy="5427891"/>
+            <a:off x="1613297" y="1158984"/>
+            <a:ext cx="6704488" cy="5122863"/>
           </a:xfrm>
           <a:prstGeom prst="rect">
             <a:avLst/>
           </a:prstGeom>
         </p:spPr>
       </p:pic>
+      <p:sp>
+        <p:nvSpPr>
+          <p:cNvPr id="12" name="文本框 11"/>
+          <p:cNvSpPr txBox="1"/>
+          <p:nvPr/>
+        </p:nvSpPr>
+        <p:spPr>
+          <a:xfrm>
+            <a:off x="473529" y="2743200"/>
+            <a:ext cx="532518" cy="369332"/>
+          </a:xfrm>
+          <a:prstGeom prst="rect">
+            <a:avLst/>
+          </a:prstGeom>
+          <a:noFill/>
+        </p:spPr>
+        <p:txBody>
+          <a:bodyPr wrap="none" rtlCol="0">
+            <a:spAutoFit/>
+          </a:bodyPr>
+          <a:lstStyle/>
+          <a:p>
+            <a:r>
+              <a:rPr lang="zh-CN" altLang="en-US" dirty="0" smtClean="0"/>
+              <a:t>图</a:t>
+            </a:r>
+            <a:r>
+              <a:rPr lang="en-US" altLang="zh-CN" dirty="0"/>
+              <a:t>6</a:t>
+            </a:r>
+            <a:endParaRPr lang="zh-CN" altLang="en-US" dirty="0"/>
+          </a:p>
+        </p:txBody>
+      </p:sp>
     </p:spTree>
     <p:extLst>
       <p:ext uri="{BB962C8B-B14F-4D97-AF65-F5344CB8AC3E}">

--- a/赵惠答辩（删）.pptx
+++ b/赵惠答辩（删）.pptx
@@ -41134,28 +41134,68 @@
       </p:grpSp>
       <p:pic>
         <p:nvPicPr>
-          <p:cNvPr id="2" name="图片 1"/>
+          <p:cNvPr id="3" name="图片 2"/>
           <p:cNvPicPr>
             <a:picLocks noChangeAspect="1"/>
           </p:cNvPicPr>
           <p:nvPr/>
         </p:nvPicPr>
         <p:blipFill>
-          <a:blip r:embed="rId2"/>
+          <a:blip r:embed="rId2">
+            <a:extLst>
+              <a:ext uri="{28A0092B-C50C-407E-A947-70E740481C1C}">
+                <a14:useLocalDpi xmlns:a14="http://schemas.microsoft.com/office/drawing/2010/main" val="0"/>
+              </a:ext>
+            </a:extLst>
+          </a:blip>
           <a:stretch>
             <a:fillRect/>
           </a:stretch>
         </p:blipFill>
         <p:spPr>
           <a:xfrm>
-            <a:off x="2135630" y="999441"/>
-            <a:ext cx="5556510" cy="5515878"/>
+            <a:off x="2901141" y="1084852"/>
+            <a:ext cx="4149756" cy="5430467"/>
           </a:xfrm>
           <a:prstGeom prst="rect">
             <a:avLst/>
           </a:prstGeom>
         </p:spPr>
       </p:pic>
+      <p:sp>
+        <p:nvSpPr>
+          <p:cNvPr id="12" name="文本框 11"/>
+          <p:cNvSpPr txBox="1"/>
+          <p:nvPr/>
+        </p:nvSpPr>
+        <p:spPr>
+          <a:xfrm>
+            <a:off x="473529" y="2743200"/>
+            <a:ext cx="532518" cy="369332"/>
+          </a:xfrm>
+          <a:prstGeom prst="rect">
+            <a:avLst/>
+          </a:prstGeom>
+          <a:noFill/>
+        </p:spPr>
+        <p:txBody>
+          <a:bodyPr wrap="none" rtlCol="0">
+            <a:spAutoFit/>
+          </a:bodyPr>
+          <a:lstStyle/>
+          <a:p>
+            <a:r>
+              <a:rPr lang="zh-CN" altLang="en-US" dirty="0" smtClean="0"/>
+              <a:t>图</a:t>
+            </a:r>
+            <a:r>
+              <a:rPr lang="en-US" altLang="zh-CN" dirty="0"/>
+              <a:t>9</a:t>
+            </a:r>
+            <a:endParaRPr lang="zh-CN" altLang="en-US" dirty="0"/>
+          </a:p>
+        </p:txBody>
+      </p:sp>
     </p:spTree>
     <p:extLst>
       <p:ext uri="{BB962C8B-B14F-4D97-AF65-F5344CB8AC3E}">

--- a/赵惠答辩（删）.pptx
+++ b/赵惠答辩（删）.pptx
@@ -42103,7 +42103,7 @@
       </p:grpSp>
       <p:pic>
         <p:nvPicPr>
-          <p:cNvPr id="2" name="图片 1"/>
+          <p:cNvPr id="3" name="图片 2"/>
           <p:cNvPicPr>
             <a:picLocks noChangeAspect="1"/>
           </p:cNvPicPr>
@@ -42117,14 +42117,48 @@
         </p:blipFill>
         <p:spPr>
           <a:xfrm>
-            <a:off x="611188" y="1512774"/>
-            <a:ext cx="8246647" cy="4743647"/>
+            <a:off x="1018661" y="1285285"/>
+            <a:ext cx="7691633" cy="5107911"/>
           </a:xfrm>
           <a:prstGeom prst="rect">
             <a:avLst/>
           </a:prstGeom>
         </p:spPr>
       </p:pic>
+      <p:sp>
+        <p:nvSpPr>
+          <p:cNvPr id="12" name="文本框 11"/>
+          <p:cNvSpPr txBox="1"/>
+          <p:nvPr/>
+        </p:nvSpPr>
+        <p:spPr>
+          <a:xfrm>
+            <a:off x="240278" y="2254102"/>
+            <a:ext cx="837089" cy="369332"/>
+          </a:xfrm>
+          <a:prstGeom prst="rect">
+            <a:avLst/>
+          </a:prstGeom>
+          <a:noFill/>
+        </p:spPr>
+        <p:txBody>
+          <a:bodyPr wrap="none" rtlCol="0">
+            <a:spAutoFit/>
+          </a:bodyPr>
+          <a:lstStyle/>
+          <a:p>
+            <a:r>
+              <a:rPr lang="zh-CN" altLang="en-US" dirty="0" smtClean="0"/>
+              <a:t>图</a:t>
+            </a:r>
+            <a:r>
+              <a:rPr lang="en-US" altLang="zh-CN" dirty="0" smtClean="0"/>
+              <a:t>4-10</a:t>
+            </a:r>
+            <a:endParaRPr lang="zh-CN" altLang="en-US" dirty="0"/>
+          </a:p>
+        </p:txBody>
+      </p:sp>
     </p:spTree>
     <p:extLst>
       <p:ext uri="{BB962C8B-B14F-4D97-AF65-F5344CB8AC3E}">

--- a/赵惠答辩（删）.pptx
+++ b/赵惠答辩（删）.pptx
@@ -42564,28 +42564,68 @@
       </p:grpSp>
       <p:pic>
         <p:nvPicPr>
-          <p:cNvPr id="3" name="图片 2"/>
+          <p:cNvPr id="2" name="图片 1"/>
           <p:cNvPicPr>
             <a:picLocks noChangeAspect="1"/>
           </p:cNvPicPr>
           <p:nvPr/>
         </p:nvPicPr>
         <p:blipFill>
-          <a:blip r:embed="rId2"/>
+          <a:blip r:embed="rId2" cstate="print">
+            <a:extLst>
+              <a:ext uri="{28A0092B-C50C-407E-A947-70E740481C1C}">
+                <a14:useLocalDpi xmlns:a14="http://schemas.microsoft.com/office/drawing/2010/main" val="0"/>
+              </a:ext>
+            </a:extLst>
+          </a:blip>
           <a:stretch>
             <a:fillRect/>
           </a:stretch>
         </p:blipFill>
         <p:spPr>
           <a:xfrm>
-            <a:off x="2831603" y="1202171"/>
-            <a:ext cx="4034418" cy="5036490"/>
+            <a:off x="4022758" y="1382233"/>
+            <a:ext cx="1885565" cy="4295553"/>
           </a:xfrm>
           <a:prstGeom prst="rect">
             <a:avLst/>
           </a:prstGeom>
         </p:spPr>
       </p:pic>
+      <p:sp>
+        <p:nvSpPr>
+          <p:cNvPr id="12" name="文本框 11"/>
+          <p:cNvSpPr txBox="1"/>
+          <p:nvPr/>
+        </p:nvSpPr>
+        <p:spPr>
+          <a:xfrm>
+            <a:off x="240278" y="2254102"/>
+            <a:ext cx="837089" cy="369332"/>
+          </a:xfrm>
+          <a:prstGeom prst="rect">
+            <a:avLst/>
+          </a:prstGeom>
+          <a:noFill/>
+        </p:spPr>
+        <p:txBody>
+          <a:bodyPr wrap="none" rtlCol="0">
+            <a:spAutoFit/>
+          </a:bodyPr>
+          <a:lstStyle/>
+          <a:p>
+            <a:r>
+              <a:rPr lang="zh-CN" altLang="en-US" dirty="0" smtClean="0"/>
+              <a:t>图</a:t>
+            </a:r>
+            <a:r>
+              <a:rPr lang="en-US" altLang="zh-CN" dirty="0" smtClean="0"/>
+              <a:t>4-13</a:t>
+            </a:r>
+            <a:endParaRPr lang="zh-CN" altLang="en-US" dirty="0"/>
+          </a:p>
+        </p:txBody>
+      </p:sp>
     </p:spTree>
     <p:extLst>
       <p:ext uri="{BB962C8B-B14F-4D97-AF65-F5344CB8AC3E}">

--- a/赵惠答辩（删）.pptx
+++ b/赵惠答辩（删）.pptx
@@ -43533,28 +43533,68 @@
       </p:grpSp>
       <p:pic>
         <p:nvPicPr>
-          <p:cNvPr id="2" name="图片 1"/>
+          <p:cNvPr id="3" name="图片 2"/>
           <p:cNvPicPr>
             <a:picLocks noChangeAspect="1"/>
           </p:cNvPicPr>
           <p:nvPr/>
         </p:nvPicPr>
         <p:blipFill>
-          <a:blip r:embed="rId2"/>
+          <a:blip r:embed="rId2">
+            <a:extLst>
+              <a:ext uri="{28A0092B-C50C-407E-A947-70E740481C1C}">
+                <a14:useLocalDpi xmlns:a14="http://schemas.microsoft.com/office/drawing/2010/main" val="0"/>
+              </a:ext>
+            </a:extLst>
+          </a:blip>
           <a:stretch>
             <a:fillRect/>
           </a:stretch>
         </p:blipFill>
         <p:spPr>
           <a:xfrm>
-            <a:off x="880926" y="1656791"/>
-            <a:ext cx="7580626" cy="4423166"/>
+            <a:off x="1880394" y="1491566"/>
+            <a:ext cx="6191250" cy="4457700"/>
           </a:xfrm>
           <a:prstGeom prst="rect">
             <a:avLst/>
           </a:prstGeom>
         </p:spPr>
       </p:pic>
+      <p:sp>
+        <p:nvSpPr>
+          <p:cNvPr id="12" name="文本框 11"/>
+          <p:cNvSpPr txBox="1"/>
+          <p:nvPr/>
+        </p:nvSpPr>
+        <p:spPr>
+          <a:xfrm>
+            <a:off x="582136" y="2636874"/>
+            <a:ext cx="837089" cy="369332"/>
+          </a:xfrm>
+          <a:prstGeom prst="rect">
+            <a:avLst/>
+          </a:prstGeom>
+          <a:noFill/>
+        </p:spPr>
+        <p:txBody>
+          <a:bodyPr wrap="none" rtlCol="0">
+            <a:spAutoFit/>
+          </a:bodyPr>
+          <a:lstStyle/>
+          <a:p>
+            <a:r>
+              <a:rPr lang="zh-CN" altLang="en-US" dirty="0" smtClean="0"/>
+              <a:t>图</a:t>
+            </a:r>
+            <a:r>
+              <a:rPr lang="en-US" altLang="zh-CN" dirty="0" smtClean="0"/>
+              <a:t>4-14</a:t>
+            </a:r>
+            <a:endParaRPr lang="zh-CN" altLang="en-US" dirty="0"/>
+          </a:p>
+        </p:txBody>
+      </p:sp>
     </p:spTree>
     <p:extLst>
       <p:ext uri="{BB962C8B-B14F-4D97-AF65-F5344CB8AC3E}">
